--- a/Document/manual.pptx
+++ b/Document/manual.pptx
@@ -5,16 +5,20 @@
     <p:sldMasterId id="2147483648" r:id="rId1"/>
   </p:sldMasterIdLst>
   <p:notesMasterIdLst>
-    <p:notesMasterId r:id="rId6"/>
+    <p:notesMasterId r:id="rId10"/>
   </p:notesMasterIdLst>
   <p:handoutMasterIdLst>
-    <p:handoutMasterId r:id="rId7"/>
+    <p:handoutMasterId r:id="rId11"/>
   </p:handoutMasterIdLst>
   <p:sldIdLst>
     <p:sldId id="256" r:id="rId2"/>
     <p:sldId id="257" r:id="rId3"/>
     <p:sldId id="258" r:id="rId4"/>
     <p:sldId id="259" r:id="rId5"/>
+    <p:sldId id="260" r:id="rId6"/>
+    <p:sldId id="261" r:id="rId7"/>
+    <p:sldId id="262" r:id="rId8"/>
+    <p:sldId id="263" r:id="rId9"/>
   </p:sldIdLst>
   <p:sldSz cx="6858000" cy="9144000" type="screen4x3"/>
   <p:notesSz cx="6858000" cy="9144000"/>
@@ -5548,11 +5552,7 @@
             </a:r>
             <a:r>
               <a:rPr lang="ja-JP" altLang="en-US" dirty="0" smtClean="0"/>
-              <a:t>の</a:t>
-            </a:r>
-            <a:r>
-              <a:rPr lang="ja-JP" altLang="en-US" dirty="0" smtClean="0"/>
-              <a:t>横（</a:t>
+              <a:t>の横（</a:t>
             </a:r>
             <a:r>
               <a:rPr lang="en-US" altLang="ja-JP" dirty="0" smtClean="0"/>
@@ -5583,11 +5583,7 @@
             </a:r>
             <a:r>
               <a:rPr lang="ja-JP" altLang="en-US" dirty="0" smtClean="0"/>
-              <a:t>の</a:t>
-            </a:r>
-            <a:r>
-              <a:rPr lang="ja-JP" altLang="en-US" dirty="0" smtClean="0"/>
-              <a:t>縦（</a:t>
+              <a:t>の縦（</a:t>
             </a:r>
             <a:r>
               <a:rPr lang="en-US" altLang="ja-JP" dirty="0" smtClean="0"/>
@@ -6080,7 +6076,19 @@
             </a:r>
             <a:r>
               <a:rPr kumimoji="1" lang="en-US" altLang="ja-JP" dirty="0" smtClean="0"/>
-              <a:t>(50, 80, 45, 45);</a:t>
+              <a:t>(70</a:t>
+            </a:r>
+            <a:r>
+              <a:rPr kumimoji="1" lang="en-US" altLang="ja-JP" dirty="0" smtClean="0"/>
+              <a:t>, 80, </a:t>
+            </a:r>
+            <a:r>
+              <a:rPr kumimoji="1" lang="en-US" altLang="ja-JP" dirty="0" smtClean="0"/>
+              <a:t>50, 50)</a:t>
+            </a:r>
+            <a:r>
+              <a:rPr kumimoji="1" lang="en-US" altLang="ja-JP" dirty="0" smtClean="0"/>
+              <a:t>;</a:t>
             </a:r>
             <a:endParaRPr kumimoji="1" lang="ja-JP" altLang="en-US" dirty="0"/>
           </a:p>
@@ -6146,63 +6154,9 @@
           <a:chExt cx="0" cy="0"/>
         </a:xfrm>
       </p:grpSpPr>
-      <p:sp>
-        <p:nvSpPr>
-          <p:cNvPr id="4" name="フッター プレースホルダー 3"/>
-          <p:cNvSpPr>
-            <a:spLocks noGrp="1"/>
-          </p:cNvSpPr>
-          <p:nvPr>
-            <p:ph type="ftr" sz="quarter" idx="11"/>
-          </p:nvPr>
-        </p:nvSpPr>
-        <p:spPr/>
-        <p:txBody>
-          <a:bodyPr/>
-          <a:lstStyle/>
-          <a:p>
-            <a:r>
-              <a:rPr kumimoji="1" lang="ja-JP" altLang="en-US" smtClean="0"/>
-              <a:t>情報工学科 </a:t>
-            </a:r>
-            <a:r>
-              <a:rPr kumimoji="1" lang="en-US" altLang="ja-JP" smtClean="0"/>
-              <a:t>1</a:t>
-            </a:r>
-            <a:r>
-              <a:rPr kumimoji="1" lang="ja-JP" altLang="en-US" smtClean="0"/>
-              <a:t>日体験入学</a:t>
-            </a:r>
-            <a:endParaRPr kumimoji="1" lang="ja-JP" altLang="en-US"/>
-          </a:p>
-        </p:txBody>
-      </p:sp>
-      <p:sp>
-        <p:nvSpPr>
-          <p:cNvPr id="5" name="スライド番号プレースホルダー 4"/>
-          <p:cNvSpPr>
-            <a:spLocks noGrp="1"/>
-          </p:cNvSpPr>
-          <p:nvPr>
-            <p:ph type="sldNum" sz="quarter" idx="12"/>
-          </p:nvPr>
-        </p:nvSpPr>
-        <p:spPr/>
-        <p:txBody>
-          <a:bodyPr/>
-          <a:lstStyle/>
-          <a:p>
-            <a:fld id="{EAA839CA-A459-3043-A178-D16A10162934}" type="slidenum">
-              <a:rPr kumimoji="1" lang="ja-JP" altLang="en-US" smtClean="0"/>
-              <a:t>4</a:t>
-            </a:fld>
-            <a:endParaRPr kumimoji="1" lang="ja-JP" altLang="en-US"/>
-          </a:p>
-        </p:txBody>
-      </p:sp>
       <p:pic>
         <p:nvPicPr>
-          <p:cNvPr id="6" name="図 5" descr="スクリーンショット 2015-07-22 12.06.00.png"/>
+          <p:cNvPr id="3" name="図 2" descr="スクリーンショット 2015-07-22 12.29.45.png"/>
           <p:cNvPicPr>
             <a:picLocks noChangeAspect="1"/>
           </p:cNvPicPr>
@@ -6222,14 +6176,68 @@
         </p:blipFill>
         <p:spPr>
           <a:xfrm>
-            <a:off x="2343150" y="226166"/>
-            <a:ext cx="1625600" cy="1905000"/>
+            <a:off x="2593346" y="4161312"/>
+            <a:ext cx="2036047" cy="2808049"/>
           </a:xfrm>
           <a:prstGeom prst="rect">
             <a:avLst/>
           </a:prstGeom>
         </p:spPr>
       </p:pic>
+      <p:sp>
+        <p:nvSpPr>
+          <p:cNvPr id="4" name="フッター プレースホルダー 3"/>
+          <p:cNvSpPr>
+            <a:spLocks noGrp="1"/>
+          </p:cNvSpPr>
+          <p:nvPr>
+            <p:ph type="ftr" sz="quarter" idx="11"/>
+          </p:nvPr>
+        </p:nvSpPr>
+        <p:spPr/>
+        <p:txBody>
+          <a:bodyPr/>
+          <a:lstStyle/>
+          <a:p>
+            <a:r>
+              <a:rPr kumimoji="1" lang="ja-JP" altLang="en-US" smtClean="0"/>
+              <a:t>情報工学科 </a:t>
+            </a:r>
+            <a:r>
+              <a:rPr kumimoji="1" lang="en-US" altLang="ja-JP" smtClean="0"/>
+              <a:t>1</a:t>
+            </a:r>
+            <a:r>
+              <a:rPr kumimoji="1" lang="ja-JP" altLang="en-US" smtClean="0"/>
+              <a:t>日体験入学</a:t>
+            </a:r>
+            <a:endParaRPr kumimoji="1" lang="ja-JP" altLang="en-US"/>
+          </a:p>
+        </p:txBody>
+      </p:sp>
+      <p:sp>
+        <p:nvSpPr>
+          <p:cNvPr id="5" name="スライド番号プレースホルダー 4"/>
+          <p:cNvSpPr>
+            <a:spLocks noGrp="1"/>
+          </p:cNvSpPr>
+          <p:nvPr>
+            <p:ph type="sldNum" sz="quarter" idx="12"/>
+          </p:nvPr>
+        </p:nvSpPr>
+        <p:spPr/>
+        <p:txBody>
+          <a:bodyPr/>
+          <a:lstStyle/>
+          <a:p>
+            <a:fld id="{EAA839CA-A459-3043-A178-D16A10162934}" type="slidenum">
+              <a:rPr kumimoji="1" lang="ja-JP" altLang="en-US" smtClean="0"/>
+              <a:t>4</a:t>
+            </a:fld>
+            <a:endParaRPr kumimoji="1" lang="ja-JP" altLang="en-US"/>
+          </a:p>
+        </p:txBody>
+      </p:sp>
       <p:sp>
         <p:nvSpPr>
           <p:cNvPr id="7" name="テキスト ボックス 6"/>
@@ -6360,42 +6368,28 @@
             </a:r>
             <a:r>
               <a:rPr kumimoji="1" lang="en-US" altLang="ja-JP" dirty="0" smtClean="0"/>
-              <a:t>(50, 80, 45, 45);</a:t>
+              <a:t>(70</a:t>
+            </a:r>
+            <a:r>
+              <a:rPr kumimoji="1" lang="en-US" altLang="ja-JP" dirty="0" smtClean="0"/>
+              <a:t>, 80, </a:t>
+            </a:r>
+            <a:r>
+              <a:rPr lang="en-US" altLang="ja-JP" dirty="0" smtClean="0"/>
+              <a:t>50</a:t>
+            </a:r>
+            <a:r>
+              <a:rPr kumimoji="1" lang="en-US" altLang="ja-JP" dirty="0" smtClean="0"/>
+              <a:t>, 50)</a:t>
+            </a:r>
+            <a:r>
+              <a:rPr kumimoji="1" lang="en-US" altLang="ja-JP" dirty="0" smtClean="0"/>
+              <a:t>;</a:t>
             </a:r>
             <a:endParaRPr kumimoji="1" lang="ja-JP" altLang="en-US" dirty="0"/>
           </a:p>
         </p:txBody>
       </p:sp>
-      <p:pic>
-        <p:nvPicPr>
-          <p:cNvPr id="10" name="図 9" descr="スクリーンショット 2015-07-22 12.13.22.png"/>
-          <p:cNvPicPr>
-            <a:picLocks noChangeAspect="1"/>
-          </p:cNvPicPr>
-          <p:nvPr/>
-        </p:nvPicPr>
-        <p:blipFill>
-          <a:blip r:embed="rId3">
-            <a:extLst>
-              <a:ext uri="{28A0092B-C50C-407E-A947-70E740481C1C}">
-                <a14:useLocalDpi xmlns:a14="http://schemas.microsoft.com/office/drawing/2010/main" val="0"/>
-              </a:ext>
-            </a:extLst>
-          </a:blip>
-          <a:stretch>
-            <a:fillRect/>
-          </a:stretch>
-        </p:blipFill>
-        <p:spPr>
-          <a:xfrm>
-            <a:off x="2604349" y="4162304"/>
-            <a:ext cx="2068583" cy="2852920"/>
-          </a:xfrm>
-          <a:prstGeom prst="rect">
-            <a:avLst/>
-          </a:prstGeom>
-        </p:spPr>
-      </p:pic>
       <p:sp>
         <p:nvSpPr>
           <p:cNvPr id="12" name="正方形/長方形 11"/>
@@ -6688,7 +6682,11 @@
             </a:r>
             <a:r>
               <a:rPr kumimoji="1" lang="en-US" altLang="ja-JP" sz="1200" dirty="0" smtClean="0"/>
-              <a:t>(50, 80)</a:t>
+              <a:t>(70</a:t>
+            </a:r>
+            <a:r>
+              <a:rPr kumimoji="1" lang="en-US" altLang="ja-JP" sz="1200" dirty="0" smtClean="0"/>
+              <a:t>, 80)</a:t>
             </a:r>
             <a:endParaRPr kumimoji="1" lang="ja-JP" altLang="en-US" sz="1200" dirty="0"/>
           </a:p>
@@ -6758,7 +6756,7 @@
             </a:r>
             <a:r>
               <a:rPr lang="en-US" altLang="ja-JP" sz="1200" dirty="0" smtClean="0"/>
-              <a:t>:45</a:t>
+              <a:t>:50</a:t>
             </a:r>
             <a:endParaRPr kumimoji="1" lang="ja-JP" altLang="en-US" sz="1200" dirty="0"/>
           </a:p>
@@ -6792,7 +6790,7 @@
             </a:r>
             <a:r>
               <a:rPr lang="en-US" altLang="ja-JP" sz="1200" dirty="0" smtClean="0"/>
-              <a:t>:45</a:t>
+              <a:t>:50</a:t>
             </a:r>
             <a:endParaRPr kumimoji="1" lang="ja-JP" altLang="en-US" sz="1200" dirty="0"/>
           </a:p>
@@ -6866,10 +6864,1409 @@
           </a:p>
         </p:txBody>
       </p:sp>
+      <p:sp>
+        <p:nvSpPr>
+          <p:cNvPr id="24" name="テキスト ボックス 23"/>
+          <p:cNvSpPr txBox="1"/>
+          <p:nvPr/>
+        </p:nvSpPr>
+        <p:spPr>
+          <a:xfrm>
+            <a:off x="203200" y="7640172"/>
+            <a:ext cx="6191394" cy="369332"/>
+          </a:xfrm>
+          <a:prstGeom prst="rect">
+            <a:avLst/>
+          </a:prstGeom>
+          <a:noFill/>
+          <a:ln w="19050" cmpd="sng">
+            <a:solidFill>
+              <a:schemeClr val="tx1"/>
+            </a:solidFill>
+          </a:ln>
+        </p:spPr>
+        <p:txBody>
+          <a:bodyPr wrap="square" rtlCol="0">
+            <a:spAutoFit/>
+          </a:bodyPr>
+          <a:lstStyle/>
+          <a:p>
+            <a:r>
+              <a:rPr kumimoji="1" lang="en-US" altLang="ja-JP" dirty="0" smtClean="0"/>
+              <a:t>Step6. </a:t>
+            </a:r>
+            <a:r>
+              <a:rPr lang="ja-JP" altLang="en-US" dirty="0" smtClean="0"/>
+              <a:t>シューティングゲームのような配置にしてみよう．</a:t>
+            </a:r>
+            <a:endParaRPr kumimoji="1" lang="ja-JP" altLang="en-US" dirty="0"/>
+          </a:p>
+        </p:txBody>
+      </p:sp>
+      <p:pic>
+        <p:nvPicPr>
+          <p:cNvPr id="2" name="図 1" descr="スクリーンショット 2015-07-22 12.29.18.png"/>
+          <p:cNvPicPr>
+            <a:picLocks noChangeAspect="1"/>
+          </p:cNvPicPr>
+          <p:nvPr/>
+        </p:nvPicPr>
+        <p:blipFill>
+          <a:blip r:embed="rId3">
+            <a:extLst>
+              <a:ext uri="{28A0092B-C50C-407E-A947-70E740481C1C}">
+                <a14:useLocalDpi xmlns:a14="http://schemas.microsoft.com/office/drawing/2010/main" val="0"/>
+              </a:ext>
+            </a:extLst>
+          </a:blip>
+          <a:stretch>
+            <a:fillRect/>
+          </a:stretch>
+        </p:blipFill>
+        <p:spPr>
+          <a:xfrm>
+            <a:off x="2614739" y="157708"/>
+            <a:ext cx="1625600" cy="1905000"/>
+          </a:xfrm>
+          <a:prstGeom prst="rect">
+            <a:avLst/>
+          </a:prstGeom>
+        </p:spPr>
+      </p:pic>
     </p:spTree>
     <p:extLst>
       <p:ext uri="{BB962C8B-B14F-4D97-AF65-F5344CB8AC3E}">
         <p14:creationId xmlns:p14="http://schemas.microsoft.com/office/powerpoint/2010/main" val="2191616572"/>
+      </p:ext>
+    </p:extLst>
+  </p:cSld>
+  <p:clrMapOvr>
+    <a:masterClrMapping/>
+  </p:clrMapOvr>
+</p:sld>
+</file>
+
+<file path=ppt/slides/slide5.xml><?xml version="1.0" encoding="utf-8"?>
+<p:sld xmlns:a="http://schemas.openxmlformats.org/drawingml/2006/main" xmlns:r="http://schemas.openxmlformats.org/officeDocument/2006/relationships" xmlns:p="http://schemas.openxmlformats.org/presentationml/2006/main">
+  <p:cSld>
+    <p:spTree>
+      <p:nvGrpSpPr>
+        <p:cNvPr id="1" name=""/>
+        <p:cNvGrpSpPr/>
+        <p:nvPr/>
+      </p:nvGrpSpPr>
+      <p:grpSpPr>
+        <a:xfrm>
+          <a:off x="0" y="0"/>
+          <a:ext cx="0" cy="0"/>
+          <a:chOff x="0" y="0"/>
+          <a:chExt cx="0" cy="0"/>
+        </a:xfrm>
+      </p:grpSpPr>
+      <p:pic>
+        <p:nvPicPr>
+          <p:cNvPr id="31" name="図 30" descr="スクリーンショット 2015-07-22 12.43.19.png"/>
+          <p:cNvPicPr>
+            <a:picLocks noChangeAspect="1"/>
+          </p:cNvPicPr>
+          <p:nvPr/>
+        </p:nvPicPr>
+        <p:blipFill>
+          <a:blip r:embed="rId2">
+            <a:extLst>
+              <a:ext uri="{28A0092B-C50C-407E-A947-70E740481C1C}">
+                <a14:useLocalDpi xmlns:a14="http://schemas.microsoft.com/office/drawing/2010/main" val="0"/>
+              </a:ext>
+            </a:extLst>
+          </a:blip>
+          <a:stretch>
+            <a:fillRect/>
+          </a:stretch>
+        </p:blipFill>
+        <p:spPr>
+          <a:xfrm>
+            <a:off x="1752078" y="3634813"/>
+            <a:ext cx="3367559" cy="4644425"/>
+          </a:xfrm>
+          <a:prstGeom prst="rect">
+            <a:avLst/>
+          </a:prstGeom>
+        </p:spPr>
+      </p:pic>
+      <p:sp>
+        <p:nvSpPr>
+          <p:cNvPr id="4" name="フッター プレースホルダー 3"/>
+          <p:cNvSpPr>
+            <a:spLocks noGrp="1"/>
+          </p:cNvSpPr>
+          <p:nvPr>
+            <p:ph type="ftr" sz="quarter" idx="11"/>
+          </p:nvPr>
+        </p:nvSpPr>
+        <p:spPr/>
+        <p:txBody>
+          <a:bodyPr/>
+          <a:lstStyle/>
+          <a:p>
+            <a:r>
+              <a:rPr kumimoji="1" lang="ja-JP" altLang="en-US" smtClean="0"/>
+              <a:t>情報工学科 </a:t>
+            </a:r>
+            <a:r>
+              <a:rPr kumimoji="1" lang="en-US" altLang="ja-JP" smtClean="0"/>
+              <a:t>1</a:t>
+            </a:r>
+            <a:r>
+              <a:rPr kumimoji="1" lang="ja-JP" altLang="en-US" smtClean="0"/>
+              <a:t>日体験入学</a:t>
+            </a:r>
+            <a:endParaRPr kumimoji="1" lang="ja-JP" altLang="en-US"/>
+          </a:p>
+        </p:txBody>
+      </p:sp>
+      <p:sp>
+        <p:nvSpPr>
+          <p:cNvPr id="5" name="スライド番号プレースホルダー 4"/>
+          <p:cNvSpPr>
+            <a:spLocks noGrp="1"/>
+          </p:cNvSpPr>
+          <p:nvPr>
+            <p:ph type="sldNum" sz="quarter" idx="12"/>
+          </p:nvPr>
+        </p:nvSpPr>
+        <p:spPr/>
+        <p:txBody>
+          <a:bodyPr/>
+          <a:lstStyle/>
+          <a:p>
+            <a:fld id="{EAA839CA-A459-3043-A178-D16A10162934}" type="slidenum">
+              <a:rPr kumimoji="1" lang="ja-JP" altLang="en-US" smtClean="0"/>
+              <a:t>5</a:t>
+            </a:fld>
+            <a:endParaRPr kumimoji="1" lang="ja-JP" altLang="en-US"/>
+          </a:p>
+        </p:txBody>
+      </p:sp>
+      <p:sp>
+        <p:nvSpPr>
+          <p:cNvPr id="6" name="テキスト ボックス 5"/>
+          <p:cNvSpPr txBox="1"/>
+          <p:nvPr/>
+        </p:nvSpPr>
+        <p:spPr>
+          <a:xfrm>
+            <a:off x="564410" y="415527"/>
+            <a:ext cx="5727104" cy="3139321"/>
+          </a:xfrm>
+          <a:prstGeom prst="rect">
+            <a:avLst/>
+          </a:prstGeom>
+          <a:solidFill>
+            <a:schemeClr val="bg1">
+              <a:lumMod val="95000"/>
+            </a:schemeClr>
+          </a:solidFill>
+          <a:ln w="12700" cmpd="sng"/>
+        </p:spPr>
+        <p:style>
+          <a:lnRef idx="2">
+            <a:schemeClr val="dk1"/>
+          </a:lnRef>
+          <a:fillRef idx="1">
+            <a:schemeClr val="lt1"/>
+          </a:fillRef>
+          <a:effectRef idx="0">
+            <a:schemeClr val="dk1"/>
+          </a:effectRef>
+          <a:fontRef idx="minor">
+            <a:schemeClr val="dk1"/>
+          </a:fontRef>
+        </p:style>
+        <p:txBody>
+          <a:bodyPr wrap="square" rtlCol="0">
+            <a:spAutoFit/>
+          </a:bodyPr>
+          <a:lstStyle/>
+          <a:p>
+            <a:r>
+              <a:rPr lang="it-IT" altLang="ja-JP" dirty="0" err="1" smtClean="0"/>
+              <a:t>size</a:t>
+            </a:r>
+            <a:r>
+              <a:rPr lang="it-IT" altLang="ja-JP" dirty="0"/>
+              <a:t>(480, 640);</a:t>
+            </a:r>
+          </a:p>
+          <a:p>
+            <a:endParaRPr lang="it-IT" altLang="ja-JP" dirty="0"/>
+          </a:p>
+          <a:p>
+            <a:r>
+              <a:rPr lang="it-IT" altLang="ja-JP" dirty="0" err="1"/>
+              <a:t>rect</a:t>
+            </a:r>
+            <a:r>
+              <a:rPr lang="it-IT" altLang="ja-JP" dirty="0"/>
+              <a:t>(20, 20, 70, 100);</a:t>
+            </a:r>
+          </a:p>
+          <a:p>
+            <a:r>
+              <a:rPr lang="it-IT" altLang="ja-JP" dirty="0" err="1"/>
+              <a:t>rect</a:t>
+            </a:r>
+            <a:r>
+              <a:rPr lang="it-IT" altLang="ja-JP" dirty="0"/>
+              <a:t>(50, 190, 70, 100);</a:t>
+            </a:r>
+          </a:p>
+          <a:p>
+            <a:r>
+              <a:rPr lang="it-IT" altLang="ja-JP" dirty="0" err="1"/>
+              <a:t>rect</a:t>
+            </a:r>
+            <a:r>
+              <a:rPr lang="it-IT" altLang="ja-JP" dirty="0"/>
+              <a:t>(</a:t>
+            </a:r>
+            <a:r>
+              <a:rPr lang="it-IT" altLang="ja-JP" dirty="0" smtClean="0"/>
+              <a:t>250</a:t>
+            </a:r>
+            <a:r>
+              <a:rPr lang="it-IT" altLang="ja-JP" dirty="0"/>
+              <a:t>, 200, 70, 100);</a:t>
+            </a:r>
+          </a:p>
+          <a:p>
+            <a:endParaRPr lang="it-IT" altLang="ja-JP" dirty="0"/>
+          </a:p>
+          <a:p>
+            <a:r>
+              <a:rPr lang="it-IT" altLang="ja-JP" dirty="0" err="1"/>
+              <a:t>rect</a:t>
+            </a:r>
+            <a:r>
+              <a:rPr lang="it-IT" altLang="ja-JP" dirty="0"/>
+              <a:t>(240-25, 500, 50, 50);</a:t>
+            </a:r>
+          </a:p>
+          <a:p>
+            <a:endParaRPr lang="it-IT" altLang="ja-JP" dirty="0"/>
+          </a:p>
+          <a:p>
+            <a:r>
+              <a:rPr lang="it-IT" altLang="ja-JP" dirty="0" err="1"/>
+              <a:t>rect</a:t>
+            </a:r>
+            <a:r>
+              <a:rPr lang="it-IT" altLang="ja-JP" dirty="0"/>
+              <a:t>(</a:t>
+            </a:r>
+            <a:r>
+              <a:rPr lang="it-IT" altLang="ja-JP" dirty="0" smtClean="0"/>
+              <a:t>240-3, </a:t>
+            </a:r>
+            <a:r>
+              <a:rPr lang="it-IT" altLang="ja-JP" dirty="0"/>
+              <a:t>370, 6, 6);</a:t>
+            </a:r>
+          </a:p>
+          <a:p>
+            <a:r>
+              <a:rPr lang="it-IT" altLang="ja-JP" dirty="0" err="1"/>
+              <a:t>rect</a:t>
+            </a:r>
+            <a:r>
+              <a:rPr lang="it-IT" altLang="ja-JP" dirty="0"/>
+              <a:t>(</a:t>
+            </a:r>
+            <a:r>
+              <a:rPr lang="it-IT" altLang="ja-JP" dirty="0" smtClean="0"/>
+              <a:t>240-3, </a:t>
+            </a:r>
+            <a:r>
+              <a:rPr lang="it-IT" altLang="ja-JP" dirty="0"/>
+              <a:t>420, 6, 6);</a:t>
+            </a:r>
+          </a:p>
+          <a:p>
+            <a:r>
+              <a:rPr lang="it-IT" altLang="ja-JP" dirty="0" err="1"/>
+              <a:t>rect</a:t>
+            </a:r>
+            <a:r>
+              <a:rPr lang="it-IT" altLang="ja-JP" dirty="0"/>
+              <a:t>(</a:t>
+            </a:r>
+            <a:r>
+              <a:rPr lang="it-IT" altLang="ja-JP" dirty="0" smtClean="0"/>
+              <a:t>240-3, </a:t>
+            </a:r>
+            <a:r>
+              <a:rPr lang="it-IT" altLang="ja-JP" dirty="0"/>
+              <a:t>470, 6, 6);</a:t>
+            </a:r>
+            <a:endParaRPr kumimoji="1" lang="ja-JP" altLang="en-US" dirty="0"/>
+          </a:p>
+        </p:txBody>
+      </p:sp>
+      <p:sp>
+        <p:nvSpPr>
+          <p:cNvPr id="7" name="正方形/長方形 6"/>
+          <p:cNvSpPr/>
+          <p:nvPr/>
+        </p:nvSpPr>
+        <p:spPr>
+          <a:xfrm>
+            <a:off x="564410" y="3559898"/>
+            <a:ext cx="5727104" cy="5031083"/>
+          </a:xfrm>
+          <a:prstGeom prst="rect">
+            <a:avLst/>
+          </a:prstGeom>
+          <a:noFill/>
+          <a:ln>
+            <a:solidFill>
+              <a:schemeClr val="tx1"/>
+            </a:solidFill>
+          </a:ln>
+        </p:spPr>
+        <p:style>
+          <a:lnRef idx="1">
+            <a:schemeClr val="accent1"/>
+          </a:lnRef>
+          <a:fillRef idx="3">
+            <a:schemeClr val="accent1"/>
+          </a:fillRef>
+          <a:effectRef idx="2">
+            <a:schemeClr val="accent1"/>
+          </a:effectRef>
+          <a:fontRef idx="minor">
+            <a:schemeClr val="lt1"/>
+          </a:fontRef>
+        </p:style>
+        <p:txBody>
+          <a:bodyPr rtlCol="0" anchor="ctr"/>
+          <a:lstStyle/>
+          <a:p>
+            <a:pPr algn="ctr"/>
+            <a:endParaRPr kumimoji="1" lang="ja-JP" altLang="en-US"/>
+          </a:p>
+        </p:txBody>
+      </p:sp>
+      <p:sp>
+        <p:nvSpPr>
+          <p:cNvPr id="9" name="テキスト ボックス 8"/>
+          <p:cNvSpPr txBox="1"/>
+          <p:nvPr/>
+        </p:nvSpPr>
+        <p:spPr>
+          <a:xfrm>
+            <a:off x="1051429" y="3795256"/>
+            <a:ext cx="970939" cy="276999"/>
+          </a:xfrm>
+          <a:prstGeom prst="rect">
+            <a:avLst/>
+          </a:prstGeom>
+          <a:noFill/>
+        </p:spPr>
+        <p:txBody>
+          <a:bodyPr wrap="none" rtlCol="0">
+            <a:spAutoFit/>
+          </a:bodyPr>
+          <a:lstStyle/>
+          <a:p>
+            <a:r>
+              <a:rPr kumimoji="1" lang="ja-JP" altLang="en-US" sz="1200" dirty="0" smtClean="0"/>
+              <a:t>座標</a:t>
+            </a:r>
+            <a:r>
+              <a:rPr kumimoji="1" lang="en-US" altLang="ja-JP" sz="1200" dirty="0" smtClean="0"/>
+              <a:t>(20</a:t>
+            </a:r>
+            <a:r>
+              <a:rPr kumimoji="1" lang="en-US" altLang="ja-JP" sz="1200" dirty="0" smtClean="0"/>
+              <a:t>, </a:t>
+            </a:r>
+            <a:r>
+              <a:rPr kumimoji="1" lang="en-US" altLang="ja-JP" sz="1200" dirty="0" smtClean="0"/>
+              <a:t>20</a:t>
+            </a:r>
+            <a:r>
+              <a:rPr kumimoji="1" lang="en-US" altLang="ja-JP" sz="1200" dirty="0" smtClean="0"/>
+              <a:t>)</a:t>
+            </a:r>
+            <a:endParaRPr kumimoji="1" lang="ja-JP" altLang="en-US" sz="1200" dirty="0"/>
+          </a:p>
+        </p:txBody>
+      </p:sp>
+      <p:sp>
+        <p:nvSpPr>
+          <p:cNvPr id="10" name="テキスト ボックス 9"/>
+          <p:cNvSpPr txBox="1"/>
+          <p:nvPr/>
+        </p:nvSpPr>
+        <p:spPr>
+          <a:xfrm>
+            <a:off x="1187229" y="4975946"/>
+            <a:ext cx="1048935" cy="276999"/>
+          </a:xfrm>
+          <a:prstGeom prst="rect">
+            <a:avLst/>
+          </a:prstGeom>
+          <a:noFill/>
+        </p:spPr>
+        <p:txBody>
+          <a:bodyPr wrap="none" rtlCol="0">
+            <a:spAutoFit/>
+          </a:bodyPr>
+          <a:lstStyle/>
+          <a:p>
+            <a:r>
+              <a:rPr kumimoji="1" lang="ja-JP" altLang="en-US" sz="1200" dirty="0" smtClean="0"/>
+              <a:t>座標</a:t>
+            </a:r>
+            <a:r>
+              <a:rPr kumimoji="1" lang="en-US" altLang="ja-JP" sz="1200" dirty="0" smtClean="0"/>
+              <a:t>(50</a:t>
+            </a:r>
+            <a:r>
+              <a:rPr kumimoji="1" lang="en-US" altLang="ja-JP" sz="1200" dirty="0" smtClean="0"/>
+              <a:t>, </a:t>
+            </a:r>
+            <a:r>
+              <a:rPr lang="en-US" altLang="ja-JP" sz="1200" dirty="0" smtClean="0"/>
+              <a:t>19</a:t>
+            </a:r>
+            <a:r>
+              <a:rPr kumimoji="1" lang="en-US" altLang="ja-JP" sz="1200" dirty="0" smtClean="0"/>
+              <a:t>0</a:t>
+            </a:r>
+            <a:r>
+              <a:rPr kumimoji="1" lang="en-US" altLang="ja-JP" sz="1200" dirty="0" smtClean="0"/>
+              <a:t>)</a:t>
+            </a:r>
+            <a:endParaRPr kumimoji="1" lang="ja-JP" altLang="en-US" sz="1200" dirty="0"/>
+          </a:p>
+        </p:txBody>
+      </p:sp>
+      <p:sp>
+        <p:nvSpPr>
+          <p:cNvPr id="11" name="テキスト ボックス 10"/>
+          <p:cNvSpPr txBox="1"/>
+          <p:nvPr/>
+        </p:nvSpPr>
+        <p:spPr>
+          <a:xfrm>
+            <a:off x="2659353" y="4925273"/>
+            <a:ext cx="1126931" cy="276999"/>
+          </a:xfrm>
+          <a:prstGeom prst="rect">
+            <a:avLst/>
+          </a:prstGeom>
+          <a:noFill/>
+        </p:spPr>
+        <p:txBody>
+          <a:bodyPr wrap="none" rtlCol="0">
+            <a:spAutoFit/>
+          </a:bodyPr>
+          <a:lstStyle/>
+          <a:p>
+            <a:r>
+              <a:rPr kumimoji="1" lang="ja-JP" altLang="en-US" sz="1200" dirty="0" smtClean="0"/>
+              <a:t>座標</a:t>
+            </a:r>
+            <a:r>
+              <a:rPr kumimoji="1" lang="en-US" altLang="ja-JP" sz="1200" dirty="0" smtClean="0"/>
+              <a:t>(250, </a:t>
+            </a:r>
+            <a:r>
+              <a:rPr lang="en-US" altLang="ja-JP" sz="1200" dirty="0" smtClean="0"/>
+              <a:t>2</a:t>
+            </a:r>
+            <a:r>
+              <a:rPr lang="en-US" altLang="ja-JP" sz="1200" dirty="0"/>
+              <a:t>0</a:t>
+            </a:r>
+            <a:r>
+              <a:rPr kumimoji="1" lang="en-US" altLang="ja-JP" sz="1200" dirty="0" smtClean="0"/>
+              <a:t>0</a:t>
+            </a:r>
+            <a:r>
+              <a:rPr kumimoji="1" lang="en-US" altLang="ja-JP" sz="1200" dirty="0" smtClean="0"/>
+              <a:t>)</a:t>
+            </a:r>
+            <a:endParaRPr kumimoji="1" lang="ja-JP" altLang="en-US" sz="1200" dirty="0"/>
+          </a:p>
+        </p:txBody>
+      </p:sp>
+      <p:sp>
+        <p:nvSpPr>
+          <p:cNvPr id="12" name="テキスト ボックス 11"/>
+          <p:cNvSpPr txBox="1"/>
+          <p:nvPr/>
+        </p:nvSpPr>
+        <p:spPr>
+          <a:xfrm>
+            <a:off x="2016223" y="4415091"/>
+            <a:ext cx="340658" cy="276999"/>
+          </a:xfrm>
+          <a:prstGeom prst="rect">
+            <a:avLst/>
+          </a:prstGeom>
+          <a:noFill/>
+        </p:spPr>
+        <p:txBody>
+          <a:bodyPr wrap="none" rtlCol="0">
+            <a:spAutoFit/>
+          </a:bodyPr>
+          <a:lstStyle/>
+          <a:p>
+            <a:r>
+              <a:rPr lang="en-US" altLang="ja-JP" sz="1200" dirty="0" smtClean="0"/>
+              <a:t>70</a:t>
+            </a:r>
+            <a:endParaRPr kumimoji="1" lang="ja-JP" altLang="en-US" sz="1200" dirty="0"/>
+          </a:p>
+        </p:txBody>
+      </p:sp>
+      <p:sp>
+        <p:nvSpPr>
+          <p:cNvPr id="13" name="テキスト ボックス 12"/>
+          <p:cNvSpPr txBox="1"/>
+          <p:nvPr/>
+        </p:nvSpPr>
+        <p:spPr>
+          <a:xfrm>
+            <a:off x="2356881" y="4138092"/>
+            <a:ext cx="418654" cy="276999"/>
+          </a:xfrm>
+          <a:prstGeom prst="rect">
+            <a:avLst/>
+          </a:prstGeom>
+          <a:noFill/>
+        </p:spPr>
+        <p:txBody>
+          <a:bodyPr wrap="none" rtlCol="0">
+            <a:spAutoFit/>
+          </a:bodyPr>
+          <a:lstStyle/>
+          <a:p>
+            <a:r>
+              <a:rPr lang="en-US" altLang="ja-JP" sz="1200" dirty="0" smtClean="0"/>
+              <a:t>100</a:t>
+            </a:r>
+            <a:endParaRPr kumimoji="1" lang="ja-JP" altLang="en-US" sz="1200" dirty="0"/>
+          </a:p>
+        </p:txBody>
+      </p:sp>
+      <p:sp>
+        <p:nvSpPr>
+          <p:cNvPr id="14" name="テキスト ボックス 13"/>
+          <p:cNvSpPr txBox="1"/>
+          <p:nvPr/>
+        </p:nvSpPr>
+        <p:spPr>
+          <a:xfrm>
+            <a:off x="2329854" y="6169573"/>
+            <a:ext cx="1126931" cy="276999"/>
+          </a:xfrm>
+          <a:prstGeom prst="rect">
+            <a:avLst/>
+          </a:prstGeom>
+          <a:noFill/>
+        </p:spPr>
+        <p:txBody>
+          <a:bodyPr wrap="none" rtlCol="0">
+            <a:spAutoFit/>
+          </a:bodyPr>
+          <a:lstStyle/>
+          <a:p>
+            <a:r>
+              <a:rPr kumimoji="1" lang="ja-JP" altLang="en-US" sz="1200" dirty="0" smtClean="0"/>
+              <a:t>座標</a:t>
+            </a:r>
+            <a:r>
+              <a:rPr kumimoji="1" lang="en-US" altLang="ja-JP" sz="1200" dirty="0" smtClean="0"/>
+              <a:t>(237, 370)</a:t>
+            </a:r>
+            <a:endParaRPr kumimoji="1" lang="ja-JP" altLang="en-US" sz="1200" dirty="0"/>
+          </a:p>
+        </p:txBody>
+      </p:sp>
+      <p:sp>
+        <p:nvSpPr>
+          <p:cNvPr id="15" name="テキスト ボックス 14"/>
+          <p:cNvSpPr txBox="1"/>
+          <p:nvPr/>
+        </p:nvSpPr>
+        <p:spPr>
+          <a:xfrm>
+            <a:off x="3419258" y="6194473"/>
+            <a:ext cx="1133644" cy="276999"/>
+          </a:xfrm>
+          <a:prstGeom prst="rect">
+            <a:avLst/>
+          </a:prstGeom>
+          <a:noFill/>
+        </p:spPr>
+        <p:txBody>
+          <a:bodyPr wrap="none" rtlCol="0">
+            <a:spAutoFit/>
+          </a:bodyPr>
+          <a:lstStyle/>
+          <a:p>
+            <a:r>
+              <a:rPr lang="en-US" altLang="ja-JP" sz="1200" dirty="0" smtClean="0"/>
+              <a:t>6 x 6 </a:t>
+            </a:r>
+            <a:r>
+              <a:rPr lang="ja-JP" altLang="en-US" sz="1200" dirty="0" smtClean="0"/>
+              <a:t>の正方形</a:t>
+            </a:r>
+            <a:endParaRPr kumimoji="1" lang="ja-JP" altLang="en-US" sz="1200" dirty="0"/>
+          </a:p>
+        </p:txBody>
+      </p:sp>
+      <p:sp>
+        <p:nvSpPr>
+          <p:cNvPr id="17" name="テキスト ボックス 16"/>
+          <p:cNvSpPr txBox="1"/>
+          <p:nvPr/>
+        </p:nvSpPr>
+        <p:spPr>
+          <a:xfrm>
+            <a:off x="2329854" y="6512972"/>
+            <a:ext cx="1126931" cy="276999"/>
+          </a:xfrm>
+          <a:prstGeom prst="rect">
+            <a:avLst/>
+          </a:prstGeom>
+          <a:noFill/>
+        </p:spPr>
+        <p:txBody>
+          <a:bodyPr wrap="none" rtlCol="0">
+            <a:spAutoFit/>
+          </a:bodyPr>
+          <a:lstStyle/>
+          <a:p>
+            <a:r>
+              <a:rPr kumimoji="1" lang="ja-JP" altLang="en-US" sz="1200" dirty="0" smtClean="0"/>
+              <a:t>座標</a:t>
+            </a:r>
+            <a:r>
+              <a:rPr kumimoji="1" lang="en-US" altLang="ja-JP" sz="1200" dirty="0" smtClean="0"/>
+              <a:t>(237, 420)</a:t>
+            </a:r>
+            <a:endParaRPr kumimoji="1" lang="ja-JP" altLang="en-US" sz="1200" dirty="0"/>
+          </a:p>
+        </p:txBody>
+      </p:sp>
+      <p:sp>
+        <p:nvSpPr>
+          <p:cNvPr id="18" name="テキスト ボックス 17"/>
+          <p:cNvSpPr txBox="1"/>
+          <p:nvPr/>
+        </p:nvSpPr>
+        <p:spPr>
+          <a:xfrm>
+            <a:off x="2333138" y="6839683"/>
+            <a:ext cx="1126931" cy="276999"/>
+          </a:xfrm>
+          <a:prstGeom prst="rect">
+            <a:avLst/>
+          </a:prstGeom>
+          <a:noFill/>
+        </p:spPr>
+        <p:txBody>
+          <a:bodyPr wrap="none" rtlCol="0">
+            <a:spAutoFit/>
+          </a:bodyPr>
+          <a:lstStyle/>
+          <a:p>
+            <a:r>
+              <a:rPr kumimoji="1" lang="ja-JP" altLang="en-US" sz="1200" dirty="0" smtClean="0"/>
+              <a:t>座標</a:t>
+            </a:r>
+            <a:r>
+              <a:rPr kumimoji="1" lang="en-US" altLang="ja-JP" sz="1200" dirty="0" smtClean="0"/>
+              <a:t>(237, 420)</a:t>
+            </a:r>
+            <a:endParaRPr kumimoji="1" lang="ja-JP" altLang="en-US" sz="1200" dirty="0"/>
+          </a:p>
+        </p:txBody>
+      </p:sp>
+      <p:sp>
+        <p:nvSpPr>
+          <p:cNvPr id="19" name="テキスト ボックス 18"/>
+          <p:cNvSpPr txBox="1"/>
+          <p:nvPr/>
+        </p:nvSpPr>
+        <p:spPr>
+          <a:xfrm>
+            <a:off x="2292327" y="7116682"/>
+            <a:ext cx="1048935" cy="276999"/>
+          </a:xfrm>
+          <a:prstGeom prst="rect">
+            <a:avLst/>
+          </a:prstGeom>
+          <a:noFill/>
+        </p:spPr>
+        <p:txBody>
+          <a:bodyPr wrap="none" rtlCol="0">
+            <a:spAutoFit/>
+          </a:bodyPr>
+          <a:lstStyle/>
+          <a:p>
+            <a:r>
+              <a:rPr kumimoji="1" lang="ja-JP" altLang="en-US" sz="1200" dirty="0" smtClean="0"/>
+              <a:t>座標</a:t>
+            </a:r>
+            <a:r>
+              <a:rPr kumimoji="1" lang="en-US" altLang="ja-JP" sz="1200" dirty="0" smtClean="0"/>
+              <a:t>(215, 25)</a:t>
+            </a:r>
+            <a:endParaRPr kumimoji="1" lang="ja-JP" altLang="en-US" sz="1200" dirty="0"/>
+          </a:p>
+        </p:txBody>
+      </p:sp>
+      <p:sp>
+        <p:nvSpPr>
+          <p:cNvPr id="20" name="テキスト ボックス 19"/>
+          <p:cNvSpPr txBox="1"/>
+          <p:nvPr/>
+        </p:nvSpPr>
+        <p:spPr>
+          <a:xfrm>
+            <a:off x="3571658" y="7230281"/>
+            <a:ext cx="1287532" cy="276999"/>
+          </a:xfrm>
+          <a:prstGeom prst="rect">
+            <a:avLst/>
+          </a:prstGeom>
+          <a:noFill/>
+        </p:spPr>
+        <p:txBody>
+          <a:bodyPr wrap="none" rtlCol="0">
+            <a:spAutoFit/>
+          </a:bodyPr>
+          <a:lstStyle/>
+          <a:p>
+            <a:r>
+              <a:rPr lang="en-US" altLang="ja-JP" sz="1200" dirty="0" smtClean="0"/>
+              <a:t>50</a:t>
+            </a:r>
+            <a:r>
+              <a:rPr lang="en-US" altLang="ja-JP" sz="1200" dirty="0" smtClean="0"/>
+              <a:t> x 50 </a:t>
+            </a:r>
+            <a:r>
+              <a:rPr lang="ja-JP" altLang="en-US" sz="1200" dirty="0" smtClean="0"/>
+              <a:t>の正方形</a:t>
+            </a:r>
+            <a:endParaRPr kumimoji="1" lang="ja-JP" altLang="en-US" sz="1200" dirty="0"/>
+          </a:p>
+        </p:txBody>
+      </p:sp>
+      <p:cxnSp>
+        <p:nvCxnSpPr>
+          <p:cNvPr id="24" name="直線矢印コネクタ 23"/>
+          <p:cNvCxnSpPr/>
+          <p:nvPr/>
+        </p:nvCxnSpPr>
+        <p:spPr>
+          <a:xfrm>
+            <a:off x="1752109" y="7617194"/>
+            <a:ext cx="1471995" cy="8412"/>
+          </a:xfrm>
+          <a:prstGeom prst="straightConnector1">
+            <a:avLst/>
+          </a:prstGeom>
+          <a:ln>
+            <a:solidFill>
+              <a:srgbClr val="000000"/>
+            </a:solidFill>
+            <a:tailEnd type="arrow"/>
+          </a:ln>
+        </p:spPr>
+        <p:style>
+          <a:lnRef idx="2">
+            <a:schemeClr val="accent1"/>
+          </a:lnRef>
+          <a:fillRef idx="0">
+            <a:schemeClr val="accent1"/>
+          </a:fillRef>
+          <a:effectRef idx="1">
+            <a:schemeClr val="accent1"/>
+          </a:effectRef>
+          <a:fontRef idx="minor">
+            <a:schemeClr val="tx1"/>
+          </a:fontRef>
+        </p:style>
+      </p:cxnSp>
+      <p:sp>
+        <p:nvSpPr>
+          <p:cNvPr id="25" name="テキスト ボックス 24"/>
+          <p:cNvSpPr txBox="1"/>
+          <p:nvPr/>
+        </p:nvSpPr>
+        <p:spPr>
+          <a:xfrm>
+            <a:off x="1752109" y="7749113"/>
+            <a:ext cx="4274352" cy="646331"/>
+          </a:xfrm>
+          <a:prstGeom prst="rect">
+            <a:avLst/>
+          </a:prstGeom>
+          <a:noFill/>
+        </p:spPr>
+        <p:txBody>
+          <a:bodyPr wrap="none" rtlCol="0">
+            <a:spAutoFit/>
+          </a:bodyPr>
+          <a:lstStyle/>
+          <a:p>
+            <a:r>
+              <a:rPr lang="ja-JP" altLang="en-US" sz="1200" dirty="0"/>
+              <a:t>ウィンドウサイズが</a:t>
+            </a:r>
+            <a:r>
+              <a:rPr lang="en-US" altLang="ja-JP" sz="1200" dirty="0"/>
+              <a:t>480</a:t>
+            </a:r>
+            <a:r>
+              <a:rPr lang="ja-JP" altLang="en-US" sz="1200" dirty="0" smtClean="0"/>
+              <a:t>なので真ん中</a:t>
+            </a:r>
+            <a:r>
+              <a:rPr lang="ja-JP" altLang="en-US" sz="1200" dirty="0"/>
+              <a:t>までは</a:t>
+            </a:r>
+            <a:r>
+              <a:rPr lang="en-US" altLang="ja-JP" sz="1200" dirty="0" smtClean="0"/>
+              <a:t>240</a:t>
+            </a:r>
+            <a:r>
+              <a:rPr lang="ja-JP" altLang="en-US" sz="1200" dirty="0" smtClean="0"/>
+              <a:t>となる．</a:t>
+            </a:r>
+            <a:endParaRPr lang="en-US" altLang="ja-JP" sz="1200" dirty="0" smtClean="0"/>
+          </a:p>
+          <a:p>
+            <a:r>
+              <a:rPr lang="ja-JP" altLang="en-US" sz="1200" dirty="0" smtClean="0"/>
+              <a:t>正方形の長さが</a:t>
+            </a:r>
+            <a:r>
+              <a:rPr lang="en-US" altLang="ja-JP" sz="1200" dirty="0" smtClean="0"/>
+              <a:t>50</a:t>
+            </a:r>
+            <a:r>
+              <a:rPr lang="ja-JP" altLang="en-US" sz="1200" dirty="0" smtClean="0"/>
+              <a:t>なので，</a:t>
+            </a:r>
+            <a:r>
+              <a:rPr kumimoji="1" lang="ja-JP" altLang="en-US" sz="1200" dirty="0" smtClean="0"/>
+              <a:t>その半分を</a:t>
+            </a:r>
+            <a:r>
+              <a:rPr kumimoji="1" lang="en-US" altLang="ja-JP" sz="1200" dirty="0" smtClean="0"/>
+              <a:t>x</a:t>
+            </a:r>
+            <a:r>
+              <a:rPr kumimoji="1" lang="ja-JP" altLang="en-US" sz="1200" dirty="0" smtClean="0"/>
+              <a:t>軸の負方向にずらすと，</a:t>
+            </a:r>
+            <a:endParaRPr kumimoji="1" lang="en-US" altLang="ja-JP" sz="1200" dirty="0" smtClean="0"/>
+          </a:p>
+          <a:p>
+            <a:r>
+              <a:rPr kumimoji="1" lang="ja-JP" altLang="en-US" sz="1200" dirty="0" smtClean="0"/>
+              <a:t>正方形が真ん中に配置される．</a:t>
+            </a:r>
+            <a:endParaRPr kumimoji="1" lang="ja-JP" altLang="en-US" sz="1200" dirty="0"/>
+          </a:p>
+        </p:txBody>
+      </p:sp>
+      <p:cxnSp>
+        <p:nvCxnSpPr>
+          <p:cNvPr id="28" name="直線矢印コネクタ 27"/>
+          <p:cNvCxnSpPr>
+            <a:stCxn id="31" idx="2"/>
+          </p:cNvCxnSpPr>
+          <p:nvPr/>
+        </p:nvCxnSpPr>
+        <p:spPr>
+          <a:xfrm flipV="1">
+            <a:off x="3435858" y="3795257"/>
+            <a:ext cx="130" cy="4483981"/>
+          </a:xfrm>
+          <a:prstGeom prst="straightConnector1">
+            <a:avLst/>
+          </a:prstGeom>
+          <a:ln w="9525" cmpd="sng">
+            <a:solidFill>
+              <a:srgbClr val="000000"/>
+            </a:solidFill>
+            <a:prstDash val="sysDash"/>
+            <a:headEnd type="none"/>
+            <a:tailEnd type="none"/>
+          </a:ln>
+        </p:spPr>
+        <p:style>
+          <a:lnRef idx="2">
+            <a:schemeClr val="accent1"/>
+          </a:lnRef>
+          <a:fillRef idx="0">
+            <a:schemeClr val="accent1"/>
+          </a:fillRef>
+          <a:effectRef idx="1">
+            <a:schemeClr val="accent1"/>
+          </a:effectRef>
+          <a:fontRef idx="minor">
+            <a:schemeClr val="tx1"/>
+          </a:fontRef>
+        </p:style>
+      </p:cxnSp>
+      <p:pic>
+        <p:nvPicPr>
+          <p:cNvPr id="36" name="図 35" descr="スクリーンショット 2015-07-22 12.43.19.png"/>
+          <p:cNvPicPr>
+            <a:picLocks noChangeAspect="1"/>
+          </p:cNvPicPr>
+          <p:nvPr/>
+        </p:nvPicPr>
+        <p:blipFill>
+          <a:blip r:embed="rId2">
+            <a:extLst>
+              <a:ext uri="{28A0092B-C50C-407E-A947-70E740481C1C}">
+                <a14:useLocalDpi xmlns:a14="http://schemas.microsoft.com/office/drawing/2010/main" val="0"/>
+              </a:ext>
+            </a:extLst>
+          </a:blip>
+          <a:stretch>
+            <a:fillRect/>
+          </a:stretch>
+        </p:blipFill>
+        <p:spPr>
+          <a:xfrm>
+            <a:off x="3773285" y="766230"/>
+            <a:ext cx="1683779" cy="2322212"/>
+          </a:xfrm>
+          <a:prstGeom prst="rect">
+            <a:avLst/>
+          </a:prstGeom>
+        </p:spPr>
+      </p:pic>
+    </p:spTree>
+    <p:extLst>
+      <p:ext uri="{BB962C8B-B14F-4D97-AF65-F5344CB8AC3E}">
+        <p14:creationId xmlns:p14="http://schemas.microsoft.com/office/powerpoint/2010/main" val="4051307388"/>
+      </p:ext>
+    </p:extLst>
+  </p:cSld>
+  <p:clrMapOvr>
+    <a:masterClrMapping/>
+  </p:clrMapOvr>
+</p:sld>
+</file>
+
+<file path=ppt/slides/slide6.xml><?xml version="1.0" encoding="utf-8"?>
+<p:sld xmlns:a="http://schemas.openxmlformats.org/drawingml/2006/main" xmlns:r="http://schemas.openxmlformats.org/officeDocument/2006/relationships" xmlns:p="http://schemas.openxmlformats.org/presentationml/2006/main">
+  <p:cSld>
+    <p:spTree>
+      <p:nvGrpSpPr>
+        <p:cNvPr id="1" name=""/>
+        <p:cNvGrpSpPr/>
+        <p:nvPr/>
+      </p:nvGrpSpPr>
+      <p:grpSpPr>
+        <a:xfrm>
+          <a:off x="0" y="0"/>
+          <a:ext cx="0" cy="0"/>
+          <a:chOff x="0" y="0"/>
+          <a:chExt cx="0" cy="0"/>
+        </a:xfrm>
+      </p:grpSpPr>
+      <p:sp>
+        <p:nvSpPr>
+          <p:cNvPr id="4" name="フッター プレースホルダー 3"/>
+          <p:cNvSpPr>
+            <a:spLocks noGrp="1"/>
+          </p:cNvSpPr>
+          <p:nvPr>
+            <p:ph type="ftr" sz="quarter" idx="11"/>
+          </p:nvPr>
+        </p:nvSpPr>
+        <p:spPr/>
+        <p:txBody>
+          <a:bodyPr/>
+          <a:lstStyle/>
+          <a:p>
+            <a:r>
+              <a:rPr kumimoji="1" lang="ja-JP" altLang="en-US" smtClean="0"/>
+              <a:t>情報工学科 </a:t>
+            </a:r>
+            <a:r>
+              <a:rPr kumimoji="1" lang="en-US" altLang="ja-JP" smtClean="0"/>
+              <a:t>1</a:t>
+            </a:r>
+            <a:r>
+              <a:rPr kumimoji="1" lang="ja-JP" altLang="en-US" smtClean="0"/>
+              <a:t>日体験入学</a:t>
+            </a:r>
+            <a:endParaRPr kumimoji="1" lang="ja-JP" altLang="en-US"/>
+          </a:p>
+        </p:txBody>
+      </p:sp>
+      <p:sp>
+        <p:nvSpPr>
+          <p:cNvPr id="5" name="スライド番号プレースホルダー 4"/>
+          <p:cNvSpPr>
+            <a:spLocks noGrp="1"/>
+          </p:cNvSpPr>
+          <p:nvPr>
+            <p:ph type="sldNum" sz="quarter" idx="12"/>
+          </p:nvPr>
+        </p:nvSpPr>
+        <p:spPr/>
+        <p:txBody>
+          <a:bodyPr/>
+          <a:lstStyle/>
+          <a:p>
+            <a:fld id="{EAA839CA-A459-3043-A178-D16A10162934}" type="slidenum">
+              <a:rPr kumimoji="1" lang="ja-JP" altLang="en-US" smtClean="0"/>
+              <a:t>6</a:t>
+            </a:fld>
+            <a:endParaRPr kumimoji="1" lang="ja-JP" altLang="en-US"/>
+          </a:p>
+        </p:txBody>
+      </p:sp>
+      <p:sp>
+        <p:nvSpPr>
+          <p:cNvPr id="6" name="テキスト ボックス 5"/>
+          <p:cNvSpPr txBox="1"/>
+          <p:nvPr/>
+        </p:nvSpPr>
+        <p:spPr>
+          <a:xfrm>
+            <a:off x="323706" y="232413"/>
+            <a:ext cx="6191394" cy="369332"/>
+          </a:xfrm>
+          <a:prstGeom prst="rect">
+            <a:avLst/>
+          </a:prstGeom>
+          <a:noFill/>
+          <a:ln w="19050" cmpd="sng">
+            <a:solidFill>
+              <a:schemeClr val="tx1"/>
+            </a:solidFill>
+          </a:ln>
+        </p:spPr>
+        <p:txBody>
+          <a:bodyPr wrap="square" rtlCol="0">
+            <a:spAutoFit/>
+          </a:bodyPr>
+          <a:lstStyle/>
+          <a:p>
+            <a:r>
+              <a:rPr kumimoji="1" lang="ja-JP" altLang="en-US" dirty="0" smtClean="0"/>
+              <a:t>プログラミング</a:t>
+            </a:r>
+            <a:r>
+              <a:rPr kumimoji="1" lang="ja-JP" altLang="en-US" dirty="0" smtClean="0"/>
+              <a:t>に慣れてみよう！</a:t>
+            </a:r>
+            <a:endParaRPr kumimoji="1" lang="ja-JP" altLang="en-US" dirty="0"/>
+          </a:p>
+        </p:txBody>
+      </p:sp>
+      <p:sp>
+        <p:nvSpPr>
+          <p:cNvPr id="7" name="テキスト ボックス 6"/>
+          <p:cNvSpPr txBox="1"/>
+          <p:nvPr/>
+        </p:nvSpPr>
+        <p:spPr>
+          <a:xfrm>
+            <a:off x="203200" y="772695"/>
+            <a:ext cx="6191394" cy="369332"/>
+          </a:xfrm>
+          <a:prstGeom prst="rect">
+            <a:avLst/>
+          </a:prstGeom>
+          <a:noFill/>
+          <a:ln w="19050" cmpd="sng">
+            <a:solidFill>
+              <a:schemeClr val="tx1"/>
+            </a:solidFill>
+          </a:ln>
+        </p:spPr>
+        <p:txBody>
+          <a:bodyPr wrap="square" rtlCol="0">
+            <a:spAutoFit/>
+          </a:bodyPr>
+          <a:lstStyle/>
+          <a:p>
+            <a:r>
+              <a:rPr kumimoji="1" lang="en-US" altLang="ja-JP" dirty="0" smtClean="0"/>
+              <a:t>Step1. </a:t>
+            </a:r>
+            <a:r>
+              <a:rPr kumimoji="1" lang="ja-JP" altLang="en-US" dirty="0" smtClean="0"/>
+              <a:t>ウィンドウを大きくしてみよう</a:t>
+            </a:r>
+            <a:endParaRPr kumimoji="1" lang="ja-JP" altLang="en-US" dirty="0"/>
+          </a:p>
+        </p:txBody>
+      </p:sp>
+    </p:spTree>
+    <p:extLst>
+      <p:ext uri="{BB962C8B-B14F-4D97-AF65-F5344CB8AC3E}">
+        <p14:creationId xmlns:p14="http://schemas.microsoft.com/office/powerpoint/2010/main" val="3266286165"/>
+      </p:ext>
+    </p:extLst>
+  </p:cSld>
+  <p:clrMapOvr>
+    <a:masterClrMapping/>
+  </p:clrMapOvr>
+</p:sld>
+</file>
+
+<file path=ppt/slides/slide7.xml><?xml version="1.0" encoding="utf-8"?>
+<p:sld xmlns:a="http://schemas.openxmlformats.org/drawingml/2006/main" xmlns:r="http://schemas.openxmlformats.org/officeDocument/2006/relationships" xmlns:p="http://schemas.openxmlformats.org/presentationml/2006/main">
+  <p:cSld>
+    <p:spTree>
+      <p:nvGrpSpPr>
+        <p:cNvPr id="1" name=""/>
+        <p:cNvGrpSpPr/>
+        <p:nvPr/>
+      </p:nvGrpSpPr>
+      <p:grpSpPr>
+        <a:xfrm>
+          <a:off x="0" y="0"/>
+          <a:ext cx="0" cy="0"/>
+          <a:chOff x="0" y="0"/>
+          <a:chExt cx="0" cy="0"/>
+        </a:xfrm>
+      </p:grpSpPr>
+      <p:sp>
+        <p:nvSpPr>
+          <p:cNvPr id="4" name="フッター プレースホルダー 3"/>
+          <p:cNvSpPr>
+            <a:spLocks noGrp="1"/>
+          </p:cNvSpPr>
+          <p:nvPr>
+            <p:ph type="ftr" sz="quarter" idx="11"/>
+          </p:nvPr>
+        </p:nvSpPr>
+        <p:spPr/>
+        <p:txBody>
+          <a:bodyPr/>
+          <a:lstStyle/>
+          <a:p>
+            <a:r>
+              <a:rPr kumimoji="1" lang="ja-JP" altLang="en-US" smtClean="0"/>
+              <a:t>情報工学科 </a:t>
+            </a:r>
+            <a:r>
+              <a:rPr kumimoji="1" lang="en-US" altLang="ja-JP" smtClean="0"/>
+              <a:t>1</a:t>
+            </a:r>
+            <a:r>
+              <a:rPr kumimoji="1" lang="ja-JP" altLang="en-US" smtClean="0"/>
+              <a:t>日体験入学</a:t>
+            </a:r>
+            <a:endParaRPr kumimoji="1" lang="ja-JP" altLang="en-US"/>
+          </a:p>
+        </p:txBody>
+      </p:sp>
+      <p:sp>
+        <p:nvSpPr>
+          <p:cNvPr id="5" name="スライド番号プレースホルダー 4"/>
+          <p:cNvSpPr>
+            <a:spLocks noGrp="1"/>
+          </p:cNvSpPr>
+          <p:nvPr>
+            <p:ph type="sldNum" sz="quarter" idx="12"/>
+          </p:nvPr>
+        </p:nvSpPr>
+        <p:spPr/>
+        <p:txBody>
+          <a:bodyPr/>
+          <a:lstStyle/>
+          <a:p>
+            <a:fld id="{EAA839CA-A459-3043-A178-D16A10162934}" type="slidenum">
+              <a:rPr kumimoji="1" lang="ja-JP" altLang="en-US" smtClean="0"/>
+              <a:t>7</a:t>
+            </a:fld>
+            <a:endParaRPr kumimoji="1" lang="ja-JP" altLang="en-US"/>
+          </a:p>
+        </p:txBody>
+      </p:sp>
+      <p:sp>
+        <p:nvSpPr>
+          <p:cNvPr id="7" name="テキスト ボックス 6"/>
+          <p:cNvSpPr txBox="1"/>
+          <p:nvPr/>
+        </p:nvSpPr>
+        <p:spPr>
+          <a:xfrm>
+            <a:off x="323706" y="232413"/>
+            <a:ext cx="6191394" cy="369332"/>
+          </a:xfrm>
+          <a:prstGeom prst="rect">
+            <a:avLst/>
+          </a:prstGeom>
+          <a:noFill/>
+          <a:ln w="19050" cmpd="sng">
+            <a:solidFill>
+              <a:schemeClr val="tx1"/>
+            </a:solidFill>
+          </a:ln>
+        </p:spPr>
+        <p:txBody>
+          <a:bodyPr wrap="square" rtlCol="0">
+            <a:spAutoFit/>
+          </a:bodyPr>
+          <a:lstStyle/>
+          <a:p>
+            <a:r>
+              <a:rPr kumimoji="1" lang="ja-JP" altLang="en-US" dirty="0" smtClean="0"/>
+              <a:t>本格シューティングゲームの</a:t>
+            </a:r>
+            <a:r>
+              <a:rPr lang="ja-JP" altLang="en-US" dirty="0" smtClean="0"/>
+              <a:t>プログラムをいじってみよう！</a:t>
+            </a:r>
+            <a:endParaRPr kumimoji="1" lang="ja-JP" altLang="en-US" dirty="0"/>
+          </a:p>
+        </p:txBody>
+      </p:sp>
+    </p:spTree>
+    <p:extLst>
+      <p:ext uri="{BB962C8B-B14F-4D97-AF65-F5344CB8AC3E}">
+        <p14:creationId xmlns:p14="http://schemas.microsoft.com/office/powerpoint/2010/main" val="1715124409"/>
+      </p:ext>
+    </p:extLst>
+  </p:cSld>
+  <p:clrMapOvr>
+    <a:masterClrMapping/>
+  </p:clrMapOvr>
+</p:sld>
+</file>
+
+<file path=ppt/slides/slide8.xml><?xml version="1.0" encoding="utf-8"?>
+<p:sld xmlns:a="http://schemas.openxmlformats.org/drawingml/2006/main" xmlns:r="http://schemas.openxmlformats.org/officeDocument/2006/relationships" xmlns:p="http://schemas.openxmlformats.org/presentationml/2006/main">
+  <p:cSld>
+    <p:spTree>
+      <p:nvGrpSpPr>
+        <p:cNvPr id="1" name=""/>
+        <p:cNvGrpSpPr/>
+        <p:nvPr/>
+      </p:nvGrpSpPr>
+      <p:grpSpPr>
+        <a:xfrm>
+          <a:off x="0" y="0"/>
+          <a:ext cx="0" cy="0"/>
+          <a:chOff x="0" y="0"/>
+          <a:chExt cx="0" cy="0"/>
+        </a:xfrm>
+      </p:grpSpPr>
+      <p:sp>
+        <p:nvSpPr>
+          <p:cNvPr id="4" name="フッター プレースホルダー 3"/>
+          <p:cNvSpPr>
+            <a:spLocks noGrp="1"/>
+          </p:cNvSpPr>
+          <p:nvPr>
+            <p:ph type="ftr" sz="quarter" idx="11"/>
+          </p:nvPr>
+        </p:nvSpPr>
+        <p:spPr/>
+        <p:txBody>
+          <a:bodyPr/>
+          <a:lstStyle/>
+          <a:p>
+            <a:r>
+              <a:rPr kumimoji="1" lang="ja-JP" altLang="en-US" smtClean="0"/>
+              <a:t>情報工学科 </a:t>
+            </a:r>
+            <a:r>
+              <a:rPr kumimoji="1" lang="en-US" altLang="ja-JP" smtClean="0"/>
+              <a:t>1</a:t>
+            </a:r>
+            <a:r>
+              <a:rPr kumimoji="1" lang="ja-JP" altLang="en-US" smtClean="0"/>
+              <a:t>日体験入学</a:t>
+            </a:r>
+            <a:endParaRPr kumimoji="1" lang="ja-JP" altLang="en-US"/>
+          </a:p>
+        </p:txBody>
+      </p:sp>
+      <p:sp>
+        <p:nvSpPr>
+          <p:cNvPr id="5" name="スライド番号プレースホルダー 4"/>
+          <p:cNvSpPr>
+            <a:spLocks noGrp="1"/>
+          </p:cNvSpPr>
+          <p:nvPr>
+            <p:ph type="sldNum" sz="quarter" idx="12"/>
+          </p:nvPr>
+        </p:nvSpPr>
+        <p:spPr/>
+        <p:txBody>
+          <a:bodyPr/>
+          <a:lstStyle/>
+          <a:p>
+            <a:fld id="{EAA839CA-A459-3043-A178-D16A10162934}" type="slidenum">
+              <a:rPr kumimoji="1" lang="ja-JP" altLang="en-US" smtClean="0"/>
+              <a:t>8</a:t>
+            </a:fld>
+            <a:endParaRPr kumimoji="1" lang="ja-JP" altLang="en-US"/>
+          </a:p>
+        </p:txBody>
+      </p:sp>
+      <p:sp>
+        <p:nvSpPr>
+          <p:cNvPr id="7" name="テキスト ボックス 6"/>
+          <p:cNvSpPr txBox="1"/>
+          <p:nvPr/>
+        </p:nvSpPr>
+        <p:spPr>
+          <a:xfrm>
+            <a:off x="323706" y="232413"/>
+            <a:ext cx="6191394" cy="369332"/>
+          </a:xfrm>
+          <a:prstGeom prst="rect">
+            <a:avLst/>
+          </a:prstGeom>
+          <a:noFill/>
+          <a:ln w="19050" cmpd="sng">
+            <a:solidFill>
+              <a:schemeClr val="tx1"/>
+            </a:solidFill>
+          </a:ln>
+        </p:spPr>
+        <p:txBody>
+          <a:bodyPr wrap="square" rtlCol="0">
+            <a:spAutoFit/>
+          </a:bodyPr>
+          <a:lstStyle/>
+          <a:p>
+            <a:r>
+              <a:rPr lang="ja-JP" altLang="en-US" dirty="0" smtClean="0"/>
+              <a:t>自宅でもプログラミングをやってみよう！</a:t>
+            </a:r>
+            <a:endParaRPr kumimoji="1" lang="ja-JP" altLang="en-US" dirty="0"/>
+          </a:p>
+        </p:txBody>
+      </p:sp>
+    </p:spTree>
+    <p:extLst>
+      <p:ext uri="{BB962C8B-B14F-4D97-AF65-F5344CB8AC3E}">
+        <p14:creationId xmlns:p14="http://schemas.microsoft.com/office/powerpoint/2010/main" val="328395478"/>
       </p:ext>
     </p:extLst>
   </p:cSld>

--- a/Document/manual.pptx
+++ b/Document/manual.pptx
@@ -5,20 +5,21 @@
     <p:sldMasterId id="2147483648" r:id="rId1"/>
   </p:sldMasterIdLst>
   <p:notesMasterIdLst>
-    <p:notesMasterId r:id="rId10"/>
+    <p:notesMasterId r:id="rId11"/>
   </p:notesMasterIdLst>
   <p:handoutMasterIdLst>
-    <p:handoutMasterId r:id="rId11"/>
+    <p:handoutMasterId r:id="rId12"/>
   </p:handoutMasterIdLst>
   <p:sldIdLst>
     <p:sldId id="256" r:id="rId2"/>
-    <p:sldId id="257" r:id="rId3"/>
-    <p:sldId id="258" r:id="rId4"/>
-    <p:sldId id="259" r:id="rId5"/>
-    <p:sldId id="260" r:id="rId6"/>
-    <p:sldId id="261" r:id="rId7"/>
-    <p:sldId id="262" r:id="rId8"/>
-    <p:sldId id="263" r:id="rId9"/>
+    <p:sldId id="265" r:id="rId3"/>
+    <p:sldId id="257" r:id="rId4"/>
+    <p:sldId id="258" r:id="rId5"/>
+    <p:sldId id="259" r:id="rId6"/>
+    <p:sldId id="260" r:id="rId7"/>
+    <p:sldId id="261" r:id="rId8"/>
+    <p:sldId id="262" r:id="rId9"/>
+    <p:sldId id="263" r:id="rId10"/>
   </p:sldIdLst>
   <p:sldSz cx="6858000" cy="9144000" type="screen4x3"/>
   <p:notesSz cx="6858000" cy="9144000"/>
@@ -4568,6 +4569,185 @@
       </p:grpSpPr>
       <p:sp>
         <p:nvSpPr>
+          <p:cNvPr id="2" name="タイトル 1"/>
+          <p:cNvSpPr>
+            <a:spLocks noGrp="1"/>
+          </p:cNvSpPr>
+          <p:nvPr>
+            <p:ph type="title"/>
+          </p:nvPr>
+        </p:nvSpPr>
+        <p:spPr/>
+        <p:txBody>
+          <a:bodyPr/>
+          <a:lstStyle/>
+          <a:p>
+            <a:r>
+              <a:rPr kumimoji="1" lang="ja-JP" altLang="en-US" dirty="0" smtClean="0"/>
+              <a:t>目次</a:t>
+            </a:r>
+            <a:endParaRPr kumimoji="1" lang="ja-JP" altLang="en-US" dirty="0"/>
+          </a:p>
+        </p:txBody>
+      </p:sp>
+      <p:sp>
+        <p:nvSpPr>
+          <p:cNvPr id="3" name="コンテンツ プレースホルダー 2"/>
+          <p:cNvSpPr>
+            <a:spLocks noGrp="1"/>
+          </p:cNvSpPr>
+          <p:nvPr>
+            <p:ph idx="1"/>
+          </p:nvPr>
+        </p:nvSpPr>
+        <p:spPr/>
+        <p:txBody>
+          <a:bodyPr>
+            <a:normAutofit fontScale="77500" lnSpcReduction="20000"/>
+          </a:bodyPr>
+          <a:lstStyle/>
+          <a:p>
+            <a:r>
+              <a:rPr lang="ja-JP" altLang="en-US" dirty="0" smtClean="0"/>
+              <a:t>プログラミングを体験しよう</a:t>
+            </a:r>
+            <a:endParaRPr lang="en-US" altLang="ja-JP" dirty="0" smtClean="0"/>
+          </a:p>
+          <a:p>
+            <a:pPr lvl="1"/>
+            <a:r>
+              <a:rPr kumimoji="1" lang="ja-JP" altLang="en-US" dirty="0" smtClean="0"/>
+              <a:t>最初にこれから作るゲームで遊んでみよう</a:t>
+            </a:r>
+            <a:endParaRPr kumimoji="1" lang="en-US" altLang="ja-JP" dirty="0" smtClean="0"/>
+          </a:p>
+          <a:p>
+            <a:pPr lvl="1"/>
+            <a:r>
+              <a:rPr kumimoji="1" lang="en-US" altLang="ja-JP" dirty="0" smtClean="0"/>
+              <a:t>Processing</a:t>
+            </a:r>
+            <a:r>
+              <a:rPr kumimoji="1" lang="ja-JP" altLang="en-US" dirty="0" smtClean="0"/>
+              <a:t>を起動してみよう</a:t>
+            </a:r>
+            <a:endParaRPr kumimoji="1" lang="en-US" altLang="ja-JP" dirty="0" smtClean="0"/>
+          </a:p>
+          <a:p>
+            <a:pPr lvl="1"/>
+            <a:r>
+              <a:rPr lang="ja-JP" altLang="en-US" dirty="0" smtClean="0"/>
+              <a:t>簡単な表示をしてみよう</a:t>
+            </a:r>
+            <a:endParaRPr lang="en-US" altLang="ja-JP" dirty="0" smtClean="0"/>
+          </a:p>
+          <a:p>
+            <a:r>
+              <a:rPr kumimoji="1" lang="ja-JP" altLang="en-US" dirty="0" smtClean="0"/>
+              <a:t>プログラミングに慣れてみよう</a:t>
+            </a:r>
+            <a:endParaRPr kumimoji="1" lang="en-US" altLang="ja-JP" dirty="0" smtClean="0"/>
+          </a:p>
+          <a:p>
+            <a:pPr lvl="1"/>
+            <a:r>
+              <a:rPr lang="ja-JP" altLang="en-US" dirty="0" smtClean="0"/>
+              <a:t>変数を理解しよう</a:t>
+            </a:r>
+            <a:endParaRPr lang="en-US" altLang="ja-JP" dirty="0" smtClean="0"/>
+          </a:p>
+          <a:p>
+            <a:pPr lvl="1"/>
+            <a:r>
+              <a:rPr lang="en-US" altLang="ja-JP" dirty="0" smtClean="0"/>
+              <a:t>if</a:t>
+            </a:r>
+            <a:r>
+              <a:rPr lang="ja-JP" altLang="en-US" dirty="0" smtClean="0"/>
+              <a:t>文を理解しよう</a:t>
+            </a:r>
+            <a:endParaRPr lang="en-US" altLang="ja-JP" dirty="0" smtClean="0"/>
+          </a:p>
+          <a:p>
+            <a:pPr lvl="1"/>
+            <a:r>
+              <a:rPr lang="ja-JP" altLang="en-US" dirty="0" smtClean="0"/>
+              <a:t>画像を表示しよう</a:t>
+            </a:r>
+            <a:endParaRPr lang="en-US" altLang="ja-JP" dirty="0" smtClean="0"/>
+          </a:p>
+          <a:p>
+            <a:r>
+              <a:rPr kumimoji="1" lang="ja-JP" altLang="en-US" dirty="0" smtClean="0"/>
+              <a:t>簡単シューティングゲームを作ってみよう</a:t>
+            </a:r>
+            <a:endParaRPr kumimoji="1" lang="en-US" altLang="ja-JP" dirty="0" smtClean="0"/>
+          </a:p>
+          <a:p>
+            <a:pPr lvl="1"/>
+            <a:r>
+              <a:rPr lang="ja-JP" altLang="en-US" dirty="0" smtClean="0"/>
+              <a:t>画像を動かしてみよう</a:t>
+            </a:r>
+            <a:endParaRPr lang="en-US" altLang="ja-JP" dirty="0" smtClean="0"/>
+          </a:p>
+          <a:p>
+            <a:pPr lvl="1"/>
+            <a:r>
+              <a:rPr kumimoji="1" lang="ja-JP" altLang="en-US" dirty="0" smtClean="0"/>
+              <a:t>弾を打ってみよう</a:t>
+            </a:r>
+            <a:endParaRPr kumimoji="1" lang="en-US" altLang="ja-JP" dirty="0" smtClean="0"/>
+          </a:p>
+          <a:p>
+            <a:pPr lvl="1"/>
+            <a:r>
+              <a:rPr lang="ja-JP" altLang="en-US" dirty="0" smtClean="0"/>
+              <a:t>敵を出現してみよう</a:t>
+            </a:r>
+            <a:endParaRPr lang="en-US" altLang="ja-JP" dirty="0" smtClean="0"/>
+          </a:p>
+          <a:p>
+            <a:pPr lvl="1"/>
+            <a:r>
+              <a:rPr kumimoji="1" lang="ja-JP" altLang="en-US" dirty="0" smtClean="0"/>
+              <a:t>敵と弾の当たり判定を作ろう</a:t>
+            </a:r>
+            <a:endParaRPr kumimoji="1" lang="en-US" altLang="ja-JP" dirty="0" smtClean="0"/>
+          </a:p>
+          <a:p>
+            <a:r>
+              <a:rPr lang="ja-JP" altLang="en-US" dirty="0" smtClean="0"/>
+              <a:t>本格シューティングゲームをいじってみよう</a:t>
+            </a:r>
+            <a:endParaRPr lang="en-US" altLang="ja-JP" dirty="0"/>
+          </a:p>
+          <a:p>
+            <a:r>
+              <a:rPr kumimoji="1" lang="en-US" altLang="ja-JP" dirty="0" smtClean="0"/>
+              <a:t>Processing</a:t>
+            </a:r>
+            <a:r>
+              <a:rPr kumimoji="1" lang="ja-JP" altLang="en-US" dirty="0" smtClean="0"/>
+              <a:t>のインストール</a:t>
+            </a:r>
+            <a:endParaRPr kumimoji="1" lang="en-US" altLang="ja-JP" dirty="0" smtClean="0"/>
+          </a:p>
+          <a:p>
+            <a:r>
+              <a:rPr lang="ja-JP" altLang="en-US" dirty="0" smtClean="0"/>
+              <a:t>サンプルプログラムの紹介</a:t>
+            </a:r>
+            <a:endParaRPr kumimoji="1" lang="en-US" altLang="ja-JP" dirty="0" smtClean="0"/>
+          </a:p>
+          <a:p>
+            <a:pPr lvl="1"/>
+            <a:endParaRPr kumimoji="1" lang="ja-JP" altLang="en-US" dirty="0"/>
+          </a:p>
+        </p:txBody>
+      </p:sp>
+      <p:sp>
+        <p:nvSpPr>
           <p:cNvPr id="4" name="フッター プレースホルダー 3"/>
           <p:cNvSpPr>
             <a:spLocks noGrp="1"/>
@@ -4620,472 +4800,10 @@
           </a:p>
         </p:txBody>
       </p:sp>
-      <p:sp>
-        <p:nvSpPr>
-          <p:cNvPr id="7" name="テキスト ボックス 6"/>
-          <p:cNvSpPr txBox="1"/>
-          <p:nvPr/>
-        </p:nvSpPr>
-        <p:spPr>
-          <a:xfrm>
-            <a:off x="323706" y="232413"/>
-            <a:ext cx="6191394" cy="369332"/>
-          </a:xfrm>
-          <a:prstGeom prst="rect">
-            <a:avLst/>
-          </a:prstGeom>
-          <a:noFill/>
-          <a:ln w="19050" cmpd="sng">
-            <a:solidFill>
-              <a:schemeClr val="tx1"/>
-            </a:solidFill>
-          </a:ln>
-        </p:spPr>
-        <p:txBody>
-          <a:bodyPr wrap="square" rtlCol="0">
-            <a:spAutoFit/>
-          </a:bodyPr>
-          <a:lstStyle/>
-          <a:p>
-            <a:r>
-              <a:rPr kumimoji="1" lang="ja-JP" altLang="en-US" dirty="0" smtClean="0"/>
-              <a:t>プログラミングを体験しよう！</a:t>
-            </a:r>
-            <a:endParaRPr kumimoji="1" lang="ja-JP" altLang="en-US" dirty="0"/>
-          </a:p>
-        </p:txBody>
-      </p:sp>
-      <p:sp>
-        <p:nvSpPr>
-          <p:cNvPr id="8" name="テキスト ボックス 7"/>
-          <p:cNvSpPr txBox="1"/>
-          <p:nvPr/>
-        </p:nvSpPr>
-        <p:spPr>
-          <a:xfrm>
-            <a:off x="323706" y="674946"/>
-            <a:ext cx="2196034" cy="276999"/>
-          </a:xfrm>
-          <a:prstGeom prst="rect">
-            <a:avLst/>
-          </a:prstGeom>
-          <a:noFill/>
-        </p:spPr>
-        <p:txBody>
-          <a:bodyPr wrap="none" rtlCol="0">
-            <a:spAutoFit/>
-          </a:bodyPr>
-          <a:lstStyle/>
-          <a:p>
-            <a:r>
-              <a:rPr kumimoji="1" lang="ja-JP" altLang="en-US" sz="1200" dirty="0" smtClean="0"/>
-              <a:t>とにかく，まず動かしてみよう！</a:t>
-            </a:r>
-            <a:endParaRPr kumimoji="1" lang="ja-JP" altLang="en-US" sz="1200" dirty="0"/>
-          </a:p>
-        </p:txBody>
-      </p:sp>
-      <p:pic>
-        <p:nvPicPr>
-          <p:cNvPr id="9" name="図 8" descr="Macintosh HD:private:var:folders:92:zx8qrz_559zdy23jg6x3fhxw0000gn:T:TemporaryItems:imgres.jpg"/>
-          <p:cNvPicPr/>
-          <p:nvPr/>
-        </p:nvPicPr>
-        <p:blipFill>
-          <a:blip r:embed="rId2">
-            <a:extLst>
-              <a:ext uri="{28A0092B-C50C-407E-A947-70E740481C1C}">
-                <a14:useLocalDpi xmlns:a14="http://schemas.microsoft.com/office/drawing/2010/main" val="0"/>
-              </a:ext>
-            </a:extLst>
-          </a:blip>
-          <a:srcRect/>
-          <a:stretch>
-            <a:fillRect/>
-          </a:stretch>
-        </p:blipFill>
-        <p:spPr bwMode="auto">
-          <a:xfrm>
-            <a:off x="323706" y="1753284"/>
-            <a:ext cx="996018" cy="969269"/>
-          </a:xfrm>
-          <a:prstGeom prst="rect">
-            <a:avLst/>
-          </a:prstGeom>
-          <a:noFill/>
-          <a:ln>
-            <a:noFill/>
-          </a:ln>
-        </p:spPr>
-      </p:pic>
-      <p:pic>
-        <p:nvPicPr>
-          <p:cNvPr id="10" name="図 9" descr="Macintosh HD:Users:edatos:Desktop:スクリーンショット 2015-07-22 10.59.36.png"/>
-          <p:cNvPicPr/>
-          <p:nvPr/>
-        </p:nvPicPr>
-        <p:blipFill>
-          <a:blip r:embed="rId3">
-            <a:extLst>
-              <a:ext uri="{28A0092B-C50C-407E-A947-70E740481C1C}">
-                <a14:useLocalDpi xmlns:a14="http://schemas.microsoft.com/office/drawing/2010/main" val="0"/>
-              </a:ext>
-            </a:extLst>
-          </a:blip>
-          <a:srcRect/>
-          <a:stretch>
-            <a:fillRect/>
-          </a:stretch>
-        </p:blipFill>
-        <p:spPr bwMode="auto">
-          <a:xfrm>
-            <a:off x="323706" y="3014497"/>
-            <a:ext cx="2747645" cy="3300730"/>
-          </a:xfrm>
-          <a:prstGeom prst="rect">
-            <a:avLst/>
-          </a:prstGeom>
-          <a:noFill/>
-          <a:ln>
-            <a:noFill/>
-          </a:ln>
-        </p:spPr>
-      </p:pic>
-      <p:sp>
-        <p:nvSpPr>
-          <p:cNvPr id="11" name="テキスト ボックス 10"/>
-          <p:cNvSpPr txBox="1"/>
-          <p:nvPr/>
-        </p:nvSpPr>
-        <p:spPr>
-          <a:xfrm>
-            <a:off x="323706" y="1106953"/>
-            <a:ext cx="6191394" cy="369332"/>
-          </a:xfrm>
-          <a:prstGeom prst="rect">
-            <a:avLst/>
-          </a:prstGeom>
-          <a:noFill/>
-          <a:ln w="19050" cmpd="sng">
-            <a:solidFill>
-              <a:schemeClr val="tx1"/>
-            </a:solidFill>
-          </a:ln>
-        </p:spPr>
-        <p:txBody>
-          <a:bodyPr wrap="square" rtlCol="0">
-            <a:spAutoFit/>
-          </a:bodyPr>
-          <a:lstStyle/>
-          <a:p>
-            <a:r>
-              <a:rPr kumimoji="1" lang="en-US" altLang="ja-JP" dirty="0" smtClean="0"/>
-              <a:t>Step1. Processing</a:t>
-            </a:r>
-            <a:r>
-              <a:rPr kumimoji="1" lang="ja-JP" altLang="en-US" dirty="0" smtClean="0"/>
-              <a:t>の起動</a:t>
-            </a:r>
-            <a:endParaRPr kumimoji="1" lang="ja-JP" altLang="en-US" dirty="0"/>
-          </a:p>
-        </p:txBody>
-      </p:sp>
-      <p:sp>
-        <p:nvSpPr>
-          <p:cNvPr id="12" name="テキスト ボックス 11"/>
-          <p:cNvSpPr txBox="1"/>
-          <p:nvPr/>
-        </p:nvSpPr>
-        <p:spPr>
-          <a:xfrm>
-            <a:off x="323706" y="1476285"/>
-            <a:ext cx="3873176" cy="276999"/>
-          </a:xfrm>
-          <a:prstGeom prst="rect">
-            <a:avLst/>
-          </a:prstGeom>
-          <a:noFill/>
-        </p:spPr>
-        <p:txBody>
-          <a:bodyPr wrap="none" rtlCol="0">
-            <a:spAutoFit/>
-          </a:bodyPr>
-          <a:lstStyle/>
-          <a:p>
-            <a:r>
-              <a:rPr lang="ja-JP" altLang="en-US" sz="1200" dirty="0" smtClean="0"/>
-              <a:t>デスクトップ上の次のアイコンをダブルクリックしてみよう．</a:t>
-            </a:r>
-            <a:endParaRPr kumimoji="1" lang="en-US" altLang="ja-JP" sz="1200" dirty="0" smtClean="0"/>
-          </a:p>
-        </p:txBody>
-      </p:sp>
-      <p:sp>
-        <p:nvSpPr>
-          <p:cNvPr id="13" name="テキスト ボックス 12"/>
-          <p:cNvSpPr txBox="1"/>
-          <p:nvPr/>
-        </p:nvSpPr>
-        <p:spPr>
-          <a:xfrm>
-            <a:off x="323706" y="2737498"/>
-            <a:ext cx="2099929" cy="276999"/>
-          </a:xfrm>
-          <a:prstGeom prst="rect">
-            <a:avLst/>
-          </a:prstGeom>
-          <a:noFill/>
-        </p:spPr>
-        <p:txBody>
-          <a:bodyPr wrap="none" rtlCol="0">
-            <a:spAutoFit/>
-          </a:bodyPr>
-          <a:lstStyle/>
-          <a:p>
-            <a:r>
-              <a:rPr lang="en-US" altLang="ja-JP" sz="1200" dirty="0" smtClean="0"/>
-              <a:t>Processing</a:t>
-            </a:r>
-            <a:r>
-              <a:rPr lang="ja-JP" altLang="en-US" sz="1200" dirty="0" smtClean="0"/>
-              <a:t>が立ち上がります．</a:t>
-            </a:r>
-            <a:endParaRPr kumimoji="1" lang="en-US" altLang="ja-JP" sz="1200" dirty="0" smtClean="0"/>
-          </a:p>
-        </p:txBody>
-      </p:sp>
-      <p:sp>
-        <p:nvSpPr>
-          <p:cNvPr id="14" name="テキスト ボックス 13"/>
-          <p:cNvSpPr txBox="1"/>
-          <p:nvPr/>
-        </p:nvSpPr>
-        <p:spPr>
-          <a:xfrm>
-            <a:off x="203200" y="6397341"/>
-            <a:ext cx="6191394" cy="369332"/>
-          </a:xfrm>
-          <a:prstGeom prst="rect">
-            <a:avLst/>
-          </a:prstGeom>
-          <a:noFill/>
-          <a:ln w="19050" cmpd="sng">
-            <a:solidFill>
-              <a:schemeClr val="tx1"/>
-            </a:solidFill>
-          </a:ln>
-        </p:spPr>
-        <p:txBody>
-          <a:bodyPr wrap="square" rtlCol="0">
-            <a:spAutoFit/>
-          </a:bodyPr>
-          <a:lstStyle/>
-          <a:p>
-            <a:r>
-              <a:rPr kumimoji="1" lang="en-US" altLang="ja-JP" dirty="0" smtClean="0"/>
-              <a:t>Step2. </a:t>
-            </a:r>
-            <a:r>
-              <a:rPr lang="ja-JP" altLang="en-US" dirty="0" smtClean="0"/>
-              <a:t>四角形を描く</a:t>
-            </a:r>
-            <a:endParaRPr kumimoji="1" lang="ja-JP" altLang="en-US" dirty="0"/>
-          </a:p>
-        </p:txBody>
-      </p:sp>
-      <p:sp>
-        <p:nvSpPr>
-          <p:cNvPr id="15" name="テキスト ボックス 14"/>
-          <p:cNvSpPr txBox="1"/>
-          <p:nvPr/>
-        </p:nvSpPr>
-        <p:spPr>
-          <a:xfrm>
-            <a:off x="203200" y="6766673"/>
-            <a:ext cx="6390542" cy="276999"/>
-          </a:xfrm>
-          <a:prstGeom prst="rect">
-            <a:avLst/>
-          </a:prstGeom>
-          <a:noFill/>
-        </p:spPr>
-        <p:txBody>
-          <a:bodyPr wrap="none" rtlCol="0">
-            <a:spAutoFit/>
-          </a:bodyPr>
-          <a:lstStyle/>
-          <a:p>
-            <a:r>
-              <a:rPr kumimoji="1" lang="ja-JP" altLang="en-US" sz="1200" dirty="0" smtClean="0"/>
-              <a:t>先ほど起動したウィンドウの白い部分</a:t>
-            </a:r>
-            <a:r>
-              <a:rPr kumimoji="1" lang="en-US" altLang="ja-JP" sz="1200" dirty="0" smtClean="0"/>
-              <a:t>①</a:t>
-            </a:r>
-            <a:r>
-              <a:rPr kumimoji="1" lang="ja-JP" altLang="en-US" sz="1200" dirty="0" smtClean="0"/>
-              <a:t>に次の</a:t>
-            </a:r>
-            <a:r>
-              <a:rPr kumimoji="1" lang="en-US" altLang="ja-JP" sz="1200" dirty="0" smtClean="0"/>
-              <a:t>1</a:t>
-            </a:r>
-            <a:r>
-              <a:rPr kumimoji="1" lang="ja-JP" altLang="en-US" sz="1200" dirty="0" smtClean="0"/>
-              <a:t>行を入力して，実行ボタン</a:t>
-            </a:r>
-            <a:r>
-              <a:rPr lang="en-US" altLang="ja-JP" sz="1200" dirty="0" smtClean="0"/>
-              <a:t>②</a:t>
-            </a:r>
-            <a:r>
-              <a:rPr lang="ja-JP" altLang="en-US" sz="1200" dirty="0" smtClean="0"/>
-              <a:t>を押してみよう．</a:t>
-            </a:r>
-            <a:endParaRPr kumimoji="1" lang="en-US" altLang="ja-JP" sz="1200" dirty="0" smtClean="0"/>
-          </a:p>
-        </p:txBody>
-      </p:sp>
-      <p:pic>
-        <p:nvPicPr>
-          <p:cNvPr id="16" name="図 15" descr="Macintosh HD:Users:edatos:Desktop:スクリーンショット 2015-07-22 11.05.53.png"/>
-          <p:cNvPicPr/>
-          <p:nvPr/>
-        </p:nvPicPr>
-        <p:blipFill>
-          <a:blip r:embed="rId4">
-            <a:extLst>
-              <a:ext uri="{28A0092B-C50C-407E-A947-70E740481C1C}">
-                <a14:useLocalDpi xmlns:a14="http://schemas.microsoft.com/office/drawing/2010/main" val="0"/>
-              </a:ext>
-            </a:extLst>
-          </a:blip>
-          <a:srcRect/>
-          <a:stretch>
-            <a:fillRect/>
-          </a:stretch>
-        </p:blipFill>
-        <p:spPr bwMode="auto">
-          <a:xfrm>
-            <a:off x="2008637" y="7114810"/>
-            <a:ext cx="4385957" cy="1360324"/>
-          </a:xfrm>
-          <a:prstGeom prst="rect">
-            <a:avLst/>
-          </a:prstGeom>
-          <a:noFill/>
-          <a:ln>
-            <a:noFill/>
-          </a:ln>
-        </p:spPr>
-      </p:pic>
-      <p:sp>
-        <p:nvSpPr>
-          <p:cNvPr id="27" name="角丸四角形吹き出し 26"/>
-          <p:cNvSpPr/>
-          <p:nvPr/>
-        </p:nvSpPr>
-        <p:spPr>
-          <a:xfrm>
-            <a:off x="564410" y="7287808"/>
-            <a:ext cx="1128009" cy="307118"/>
-          </a:xfrm>
-          <a:prstGeom prst="wedgeRoundRectCallout">
-            <a:avLst>
-              <a:gd name="adj1" fmla="val 91766"/>
-              <a:gd name="adj2" fmla="val 23631"/>
-              <a:gd name="adj3" fmla="val 16667"/>
-            </a:avLst>
-          </a:prstGeom>
-          <a:ln w="12700" cmpd="sng"/>
-        </p:spPr>
-        <p:style>
-          <a:lnRef idx="2">
-            <a:schemeClr val="dk1"/>
-          </a:lnRef>
-          <a:fillRef idx="1">
-            <a:schemeClr val="lt1"/>
-          </a:fillRef>
-          <a:effectRef idx="0">
-            <a:schemeClr val="dk1"/>
-          </a:effectRef>
-          <a:fontRef idx="minor">
-            <a:schemeClr val="dk1"/>
-          </a:fontRef>
-        </p:style>
-        <p:txBody>
-          <a:bodyPr rtlCol="0" anchor="ctr"/>
-          <a:lstStyle/>
-          <a:p>
-            <a:pPr algn="ctr"/>
-            <a:r>
-              <a:rPr kumimoji="1" lang="en-US" altLang="ja-JP" sz="1200" dirty="0" smtClean="0"/>
-              <a:t>②</a:t>
-            </a:r>
-            <a:r>
-              <a:rPr kumimoji="1" lang="ja-JP" altLang="en-US" sz="1200" dirty="0" smtClean="0"/>
-              <a:t>実行ボタン</a:t>
-            </a:r>
-            <a:endParaRPr kumimoji="1" lang="ja-JP" altLang="en-US" sz="1200" dirty="0"/>
-          </a:p>
-        </p:txBody>
-      </p:sp>
-      <p:sp>
-        <p:nvSpPr>
-          <p:cNvPr id="28" name="角丸四角形吹き出し 27"/>
-          <p:cNvSpPr/>
-          <p:nvPr/>
-        </p:nvSpPr>
-        <p:spPr>
-          <a:xfrm>
-            <a:off x="564410" y="8059752"/>
-            <a:ext cx="1128009" cy="415382"/>
-          </a:xfrm>
-          <a:prstGeom prst="wedgeRoundRectCallout">
-            <a:avLst>
-              <a:gd name="adj1" fmla="val 101332"/>
-              <a:gd name="adj2" fmla="val -60728"/>
-              <a:gd name="adj3" fmla="val 16667"/>
-            </a:avLst>
-          </a:prstGeom>
-          <a:ln w="12700" cmpd="sng"/>
-        </p:spPr>
-        <p:style>
-          <a:lnRef idx="2">
-            <a:schemeClr val="dk1"/>
-          </a:lnRef>
-          <a:fillRef idx="1">
-            <a:schemeClr val="lt1"/>
-          </a:fillRef>
-          <a:effectRef idx="0">
-            <a:schemeClr val="dk1"/>
-          </a:effectRef>
-          <a:fontRef idx="minor">
-            <a:schemeClr val="dk1"/>
-          </a:fontRef>
-        </p:style>
-        <p:txBody>
-          <a:bodyPr rtlCol="0" anchor="ctr"/>
-          <a:lstStyle/>
-          <a:p>
-            <a:pPr algn="ctr"/>
-            <a:r>
-              <a:rPr lang="en-US" altLang="ja-JP" sz="1200" dirty="0" smtClean="0"/>
-              <a:t>①</a:t>
-            </a:r>
-            <a:r>
-              <a:rPr lang="ja-JP" altLang="en-US" sz="1200" dirty="0" smtClean="0"/>
-              <a:t>プログラムを書く</a:t>
-            </a:r>
-            <a:endParaRPr kumimoji="1" lang="ja-JP" altLang="en-US" sz="1200" dirty="0"/>
-          </a:p>
-        </p:txBody>
-      </p:sp>
     </p:spTree>
     <p:extLst>
       <p:ext uri="{BB962C8B-B14F-4D97-AF65-F5344CB8AC3E}">
-        <p14:creationId xmlns:p14="http://schemas.microsoft.com/office/powerpoint/2010/main" val="3836748015"/>
+        <p14:creationId xmlns:p14="http://schemas.microsoft.com/office/powerpoint/2010/main" val="1054157062"/>
       </p:ext>
     </p:extLst>
   </p:cSld>
@@ -5174,6 +4892,552 @@
         </p:nvSpPr>
         <p:spPr>
           <a:xfrm>
+            <a:off x="323706" y="232413"/>
+            <a:ext cx="6191394" cy="369332"/>
+          </a:xfrm>
+          <a:prstGeom prst="rect">
+            <a:avLst/>
+          </a:prstGeom>
+          <a:noFill/>
+          <a:ln w="19050" cmpd="sng">
+            <a:solidFill>
+              <a:schemeClr val="tx1"/>
+            </a:solidFill>
+          </a:ln>
+        </p:spPr>
+        <p:txBody>
+          <a:bodyPr wrap="square" rtlCol="0">
+            <a:spAutoFit/>
+          </a:bodyPr>
+          <a:lstStyle/>
+          <a:p>
+            <a:r>
+              <a:rPr kumimoji="1" lang="ja-JP" altLang="en-US" dirty="0" smtClean="0"/>
+              <a:t>プログラミングを体験しよう！</a:t>
+            </a:r>
+            <a:endParaRPr kumimoji="1" lang="ja-JP" altLang="en-US" dirty="0"/>
+          </a:p>
+        </p:txBody>
+      </p:sp>
+      <p:sp>
+        <p:nvSpPr>
+          <p:cNvPr id="8" name="テキスト ボックス 7"/>
+          <p:cNvSpPr txBox="1"/>
+          <p:nvPr/>
+        </p:nvSpPr>
+        <p:spPr>
+          <a:xfrm>
+            <a:off x="323706" y="674946"/>
+            <a:ext cx="2196034" cy="276999"/>
+          </a:xfrm>
+          <a:prstGeom prst="rect">
+            <a:avLst/>
+          </a:prstGeom>
+          <a:noFill/>
+        </p:spPr>
+        <p:txBody>
+          <a:bodyPr wrap="none" rtlCol="0">
+            <a:spAutoFit/>
+          </a:bodyPr>
+          <a:lstStyle/>
+          <a:p>
+            <a:r>
+              <a:rPr kumimoji="1" lang="ja-JP" altLang="en-US" sz="1200" dirty="0" smtClean="0"/>
+              <a:t>とにかく，まず動かしてみよう！</a:t>
+            </a:r>
+            <a:endParaRPr kumimoji="1" lang="ja-JP" altLang="en-US" sz="1200" dirty="0"/>
+          </a:p>
+        </p:txBody>
+      </p:sp>
+      <p:pic>
+        <p:nvPicPr>
+          <p:cNvPr id="9" name="図 8" descr="Macintosh HD:private:var:folders:92:zx8qrz_559zdy23jg6x3fhxw0000gn:T:TemporaryItems:imgres.jpg"/>
+          <p:cNvPicPr/>
+          <p:nvPr/>
+        </p:nvPicPr>
+        <p:blipFill>
+          <a:blip r:embed="rId2">
+            <a:extLst>
+              <a:ext uri="{28A0092B-C50C-407E-A947-70E740481C1C}">
+                <a14:useLocalDpi xmlns:a14="http://schemas.microsoft.com/office/drawing/2010/main" val="0"/>
+              </a:ext>
+            </a:extLst>
+          </a:blip>
+          <a:srcRect/>
+          <a:stretch>
+            <a:fillRect/>
+          </a:stretch>
+        </p:blipFill>
+        <p:spPr bwMode="auto">
+          <a:xfrm>
+            <a:off x="323706" y="1753284"/>
+            <a:ext cx="996018" cy="969269"/>
+          </a:xfrm>
+          <a:prstGeom prst="rect">
+            <a:avLst/>
+          </a:prstGeom>
+          <a:noFill/>
+          <a:ln>
+            <a:noFill/>
+          </a:ln>
+        </p:spPr>
+      </p:pic>
+      <p:pic>
+        <p:nvPicPr>
+          <p:cNvPr id="10" name="図 9" descr="Macintosh HD:Users:edatos:Desktop:スクリーンショット 2015-07-22 10.59.36.png"/>
+          <p:cNvPicPr/>
+          <p:nvPr/>
+        </p:nvPicPr>
+        <p:blipFill>
+          <a:blip r:embed="rId3">
+            <a:extLst>
+              <a:ext uri="{28A0092B-C50C-407E-A947-70E740481C1C}">
+                <a14:useLocalDpi xmlns:a14="http://schemas.microsoft.com/office/drawing/2010/main" val="0"/>
+              </a:ext>
+            </a:extLst>
+          </a:blip>
+          <a:srcRect/>
+          <a:stretch>
+            <a:fillRect/>
+          </a:stretch>
+        </p:blipFill>
+        <p:spPr bwMode="auto">
+          <a:xfrm>
+            <a:off x="323706" y="3014497"/>
+            <a:ext cx="2747645" cy="3300730"/>
+          </a:xfrm>
+          <a:prstGeom prst="rect">
+            <a:avLst/>
+          </a:prstGeom>
+          <a:noFill/>
+          <a:ln>
+            <a:noFill/>
+          </a:ln>
+        </p:spPr>
+      </p:pic>
+      <p:sp>
+        <p:nvSpPr>
+          <p:cNvPr id="11" name="テキスト ボックス 10"/>
+          <p:cNvSpPr txBox="1"/>
+          <p:nvPr/>
+        </p:nvSpPr>
+        <p:spPr>
+          <a:xfrm>
+            <a:off x="323706" y="1106953"/>
+            <a:ext cx="6191394" cy="369332"/>
+          </a:xfrm>
+          <a:prstGeom prst="rect">
+            <a:avLst/>
+          </a:prstGeom>
+          <a:noFill/>
+          <a:ln w="19050" cmpd="sng">
+            <a:solidFill>
+              <a:schemeClr val="tx1"/>
+            </a:solidFill>
+          </a:ln>
+        </p:spPr>
+        <p:txBody>
+          <a:bodyPr wrap="square" rtlCol="0">
+            <a:spAutoFit/>
+          </a:bodyPr>
+          <a:lstStyle/>
+          <a:p>
+            <a:r>
+              <a:rPr kumimoji="1" lang="en-US" altLang="ja-JP" dirty="0" smtClean="0"/>
+              <a:t>Step1. Processing</a:t>
+            </a:r>
+            <a:r>
+              <a:rPr kumimoji="1" lang="ja-JP" altLang="en-US" dirty="0" smtClean="0"/>
+              <a:t>の起動</a:t>
+            </a:r>
+            <a:endParaRPr kumimoji="1" lang="ja-JP" altLang="en-US" dirty="0"/>
+          </a:p>
+        </p:txBody>
+      </p:sp>
+      <p:sp>
+        <p:nvSpPr>
+          <p:cNvPr id="12" name="テキスト ボックス 11"/>
+          <p:cNvSpPr txBox="1"/>
+          <p:nvPr/>
+        </p:nvSpPr>
+        <p:spPr>
+          <a:xfrm>
+            <a:off x="323706" y="1476285"/>
+            <a:ext cx="3873176" cy="276999"/>
+          </a:xfrm>
+          <a:prstGeom prst="rect">
+            <a:avLst/>
+          </a:prstGeom>
+          <a:noFill/>
+        </p:spPr>
+        <p:txBody>
+          <a:bodyPr wrap="none" rtlCol="0">
+            <a:spAutoFit/>
+          </a:bodyPr>
+          <a:lstStyle/>
+          <a:p>
+            <a:r>
+              <a:rPr lang="ja-JP" altLang="en-US" sz="1200" dirty="0" smtClean="0"/>
+              <a:t>デスクトップ上の次のアイコンをダブルクリックしてみよう．</a:t>
+            </a:r>
+            <a:endParaRPr kumimoji="1" lang="en-US" altLang="ja-JP" sz="1200" dirty="0" smtClean="0"/>
+          </a:p>
+        </p:txBody>
+      </p:sp>
+      <p:sp>
+        <p:nvSpPr>
+          <p:cNvPr id="13" name="テキスト ボックス 12"/>
+          <p:cNvSpPr txBox="1"/>
+          <p:nvPr/>
+        </p:nvSpPr>
+        <p:spPr>
+          <a:xfrm>
+            <a:off x="323706" y="2737498"/>
+            <a:ext cx="2099929" cy="276999"/>
+          </a:xfrm>
+          <a:prstGeom prst="rect">
+            <a:avLst/>
+          </a:prstGeom>
+          <a:noFill/>
+        </p:spPr>
+        <p:txBody>
+          <a:bodyPr wrap="none" rtlCol="0">
+            <a:spAutoFit/>
+          </a:bodyPr>
+          <a:lstStyle/>
+          <a:p>
+            <a:r>
+              <a:rPr lang="en-US" altLang="ja-JP" sz="1200" dirty="0" smtClean="0"/>
+              <a:t>Processing</a:t>
+            </a:r>
+            <a:r>
+              <a:rPr lang="ja-JP" altLang="en-US" sz="1200" dirty="0" smtClean="0"/>
+              <a:t>が立ち上がります．</a:t>
+            </a:r>
+            <a:endParaRPr kumimoji="1" lang="en-US" altLang="ja-JP" sz="1200" dirty="0" smtClean="0"/>
+          </a:p>
+        </p:txBody>
+      </p:sp>
+      <p:sp>
+        <p:nvSpPr>
+          <p:cNvPr id="14" name="テキスト ボックス 13"/>
+          <p:cNvSpPr txBox="1"/>
+          <p:nvPr/>
+        </p:nvSpPr>
+        <p:spPr>
+          <a:xfrm>
+            <a:off x="203200" y="6397341"/>
+            <a:ext cx="6191394" cy="369332"/>
+          </a:xfrm>
+          <a:prstGeom prst="rect">
+            <a:avLst/>
+          </a:prstGeom>
+          <a:noFill/>
+          <a:ln w="19050" cmpd="sng">
+            <a:solidFill>
+              <a:schemeClr val="tx1"/>
+            </a:solidFill>
+          </a:ln>
+        </p:spPr>
+        <p:txBody>
+          <a:bodyPr wrap="square" rtlCol="0">
+            <a:spAutoFit/>
+          </a:bodyPr>
+          <a:lstStyle/>
+          <a:p>
+            <a:r>
+              <a:rPr kumimoji="1" lang="en-US" altLang="ja-JP" dirty="0" smtClean="0"/>
+              <a:t>Step2. </a:t>
+            </a:r>
+            <a:r>
+              <a:rPr lang="ja-JP" altLang="en-US" dirty="0" smtClean="0"/>
+              <a:t>四角形を描く</a:t>
+            </a:r>
+            <a:endParaRPr kumimoji="1" lang="ja-JP" altLang="en-US" dirty="0"/>
+          </a:p>
+        </p:txBody>
+      </p:sp>
+      <p:sp>
+        <p:nvSpPr>
+          <p:cNvPr id="15" name="テキスト ボックス 14"/>
+          <p:cNvSpPr txBox="1"/>
+          <p:nvPr/>
+        </p:nvSpPr>
+        <p:spPr>
+          <a:xfrm>
+            <a:off x="203200" y="6766673"/>
+            <a:ext cx="6390542" cy="276999"/>
+          </a:xfrm>
+          <a:prstGeom prst="rect">
+            <a:avLst/>
+          </a:prstGeom>
+          <a:noFill/>
+        </p:spPr>
+        <p:txBody>
+          <a:bodyPr wrap="none" rtlCol="0">
+            <a:spAutoFit/>
+          </a:bodyPr>
+          <a:lstStyle/>
+          <a:p>
+            <a:r>
+              <a:rPr kumimoji="1" lang="ja-JP" altLang="en-US" sz="1200" dirty="0" smtClean="0"/>
+              <a:t>先ほど起動したウィンドウの白い部分</a:t>
+            </a:r>
+            <a:r>
+              <a:rPr kumimoji="1" lang="en-US" altLang="ja-JP" sz="1200" dirty="0" smtClean="0"/>
+              <a:t>①</a:t>
+            </a:r>
+            <a:r>
+              <a:rPr kumimoji="1" lang="ja-JP" altLang="en-US" sz="1200" dirty="0" smtClean="0"/>
+              <a:t>に次の</a:t>
+            </a:r>
+            <a:r>
+              <a:rPr kumimoji="1" lang="en-US" altLang="ja-JP" sz="1200" dirty="0" smtClean="0"/>
+              <a:t>1</a:t>
+            </a:r>
+            <a:r>
+              <a:rPr kumimoji="1" lang="ja-JP" altLang="en-US" sz="1200" dirty="0" smtClean="0"/>
+              <a:t>行を入力して，実行ボタン</a:t>
+            </a:r>
+            <a:r>
+              <a:rPr lang="en-US" altLang="ja-JP" sz="1200" dirty="0" smtClean="0"/>
+              <a:t>②</a:t>
+            </a:r>
+            <a:r>
+              <a:rPr lang="ja-JP" altLang="en-US" sz="1200" dirty="0" smtClean="0"/>
+              <a:t>を押してみよう．</a:t>
+            </a:r>
+            <a:endParaRPr kumimoji="1" lang="en-US" altLang="ja-JP" sz="1200" dirty="0" smtClean="0"/>
+          </a:p>
+        </p:txBody>
+      </p:sp>
+      <p:pic>
+        <p:nvPicPr>
+          <p:cNvPr id="16" name="図 15" descr="Macintosh HD:Users:edatos:Desktop:スクリーンショット 2015-07-22 11.05.53.png"/>
+          <p:cNvPicPr/>
+          <p:nvPr/>
+        </p:nvPicPr>
+        <p:blipFill>
+          <a:blip r:embed="rId4">
+            <a:extLst>
+              <a:ext uri="{28A0092B-C50C-407E-A947-70E740481C1C}">
+                <a14:useLocalDpi xmlns:a14="http://schemas.microsoft.com/office/drawing/2010/main" val="0"/>
+              </a:ext>
+            </a:extLst>
+          </a:blip>
+          <a:srcRect/>
+          <a:stretch>
+            <a:fillRect/>
+          </a:stretch>
+        </p:blipFill>
+        <p:spPr bwMode="auto">
+          <a:xfrm>
+            <a:off x="2008637" y="7114810"/>
+            <a:ext cx="4385957" cy="1360324"/>
+          </a:xfrm>
+          <a:prstGeom prst="rect">
+            <a:avLst/>
+          </a:prstGeom>
+          <a:noFill/>
+          <a:ln>
+            <a:noFill/>
+          </a:ln>
+        </p:spPr>
+      </p:pic>
+      <p:sp>
+        <p:nvSpPr>
+          <p:cNvPr id="27" name="角丸四角形吹き出し 26"/>
+          <p:cNvSpPr/>
+          <p:nvPr/>
+        </p:nvSpPr>
+        <p:spPr>
+          <a:xfrm>
+            <a:off x="564410" y="7287808"/>
+            <a:ext cx="1128009" cy="307118"/>
+          </a:xfrm>
+          <a:prstGeom prst="wedgeRoundRectCallout">
+            <a:avLst>
+              <a:gd name="adj1" fmla="val 91766"/>
+              <a:gd name="adj2" fmla="val 23631"/>
+              <a:gd name="adj3" fmla="val 16667"/>
+            </a:avLst>
+          </a:prstGeom>
+          <a:ln w="12700" cmpd="sng"/>
+        </p:spPr>
+        <p:style>
+          <a:lnRef idx="2">
+            <a:schemeClr val="dk1"/>
+          </a:lnRef>
+          <a:fillRef idx="1">
+            <a:schemeClr val="lt1"/>
+          </a:fillRef>
+          <a:effectRef idx="0">
+            <a:schemeClr val="dk1"/>
+          </a:effectRef>
+          <a:fontRef idx="minor">
+            <a:schemeClr val="dk1"/>
+          </a:fontRef>
+        </p:style>
+        <p:txBody>
+          <a:bodyPr rtlCol="0" anchor="ctr"/>
+          <a:lstStyle/>
+          <a:p>
+            <a:pPr algn="ctr"/>
+            <a:r>
+              <a:rPr kumimoji="1" lang="en-US" altLang="ja-JP" sz="1200" dirty="0" smtClean="0"/>
+              <a:t>②</a:t>
+            </a:r>
+            <a:r>
+              <a:rPr kumimoji="1" lang="ja-JP" altLang="en-US" sz="1200" dirty="0" smtClean="0"/>
+              <a:t>実行ボタン</a:t>
+            </a:r>
+            <a:endParaRPr kumimoji="1" lang="ja-JP" altLang="en-US" sz="1200" dirty="0"/>
+          </a:p>
+        </p:txBody>
+      </p:sp>
+      <p:sp>
+        <p:nvSpPr>
+          <p:cNvPr id="28" name="角丸四角形吹き出し 27"/>
+          <p:cNvSpPr/>
+          <p:nvPr/>
+        </p:nvSpPr>
+        <p:spPr>
+          <a:xfrm>
+            <a:off x="564410" y="8059752"/>
+            <a:ext cx="1128009" cy="415382"/>
+          </a:xfrm>
+          <a:prstGeom prst="wedgeRoundRectCallout">
+            <a:avLst>
+              <a:gd name="adj1" fmla="val 101332"/>
+              <a:gd name="adj2" fmla="val -60728"/>
+              <a:gd name="adj3" fmla="val 16667"/>
+            </a:avLst>
+          </a:prstGeom>
+          <a:ln w="12700" cmpd="sng"/>
+        </p:spPr>
+        <p:style>
+          <a:lnRef idx="2">
+            <a:schemeClr val="dk1"/>
+          </a:lnRef>
+          <a:fillRef idx="1">
+            <a:schemeClr val="lt1"/>
+          </a:fillRef>
+          <a:effectRef idx="0">
+            <a:schemeClr val="dk1"/>
+          </a:effectRef>
+          <a:fontRef idx="minor">
+            <a:schemeClr val="dk1"/>
+          </a:fontRef>
+        </p:style>
+        <p:txBody>
+          <a:bodyPr rtlCol="0" anchor="ctr"/>
+          <a:lstStyle/>
+          <a:p>
+            <a:pPr algn="ctr"/>
+            <a:r>
+              <a:rPr lang="en-US" altLang="ja-JP" sz="1200" dirty="0" smtClean="0"/>
+              <a:t>①</a:t>
+            </a:r>
+            <a:r>
+              <a:rPr lang="ja-JP" altLang="en-US" sz="1200" dirty="0" smtClean="0"/>
+              <a:t>プログラムを書く</a:t>
+            </a:r>
+            <a:endParaRPr kumimoji="1" lang="ja-JP" altLang="en-US" sz="1200" dirty="0"/>
+          </a:p>
+        </p:txBody>
+      </p:sp>
+    </p:spTree>
+    <p:extLst>
+      <p:ext uri="{BB962C8B-B14F-4D97-AF65-F5344CB8AC3E}">
+        <p14:creationId xmlns:p14="http://schemas.microsoft.com/office/powerpoint/2010/main" val="3836748015"/>
+      </p:ext>
+    </p:extLst>
+  </p:cSld>
+  <p:clrMapOvr>
+    <a:masterClrMapping/>
+  </p:clrMapOvr>
+</p:sld>
+</file>
+
+<file path=ppt/slides/slide4.xml><?xml version="1.0" encoding="utf-8"?>
+<p:sld xmlns:a="http://schemas.openxmlformats.org/drawingml/2006/main" xmlns:r="http://schemas.openxmlformats.org/officeDocument/2006/relationships" xmlns:p="http://schemas.openxmlformats.org/presentationml/2006/main">
+  <p:cSld>
+    <p:spTree>
+      <p:nvGrpSpPr>
+        <p:cNvPr id="1" name=""/>
+        <p:cNvGrpSpPr/>
+        <p:nvPr/>
+      </p:nvGrpSpPr>
+      <p:grpSpPr>
+        <a:xfrm>
+          <a:off x="0" y="0"/>
+          <a:ext cx="0" cy="0"/>
+          <a:chOff x="0" y="0"/>
+          <a:chExt cx="0" cy="0"/>
+        </a:xfrm>
+      </p:grpSpPr>
+      <p:sp>
+        <p:nvSpPr>
+          <p:cNvPr id="4" name="フッター プレースホルダー 3"/>
+          <p:cNvSpPr>
+            <a:spLocks noGrp="1"/>
+          </p:cNvSpPr>
+          <p:nvPr>
+            <p:ph type="ftr" sz="quarter" idx="11"/>
+          </p:nvPr>
+        </p:nvSpPr>
+        <p:spPr/>
+        <p:txBody>
+          <a:bodyPr/>
+          <a:lstStyle/>
+          <a:p>
+            <a:r>
+              <a:rPr kumimoji="1" lang="ja-JP" altLang="en-US" smtClean="0"/>
+              <a:t>情報工学科 </a:t>
+            </a:r>
+            <a:r>
+              <a:rPr kumimoji="1" lang="en-US" altLang="ja-JP" smtClean="0"/>
+              <a:t>1</a:t>
+            </a:r>
+            <a:r>
+              <a:rPr kumimoji="1" lang="ja-JP" altLang="en-US" smtClean="0"/>
+              <a:t>日体験入学</a:t>
+            </a:r>
+            <a:endParaRPr kumimoji="1" lang="ja-JP" altLang="en-US"/>
+          </a:p>
+        </p:txBody>
+      </p:sp>
+      <p:sp>
+        <p:nvSpPr>
+          <p:cNvPr id="5" name="スライド番号プレースホルダー 4"/>
+          <p:cNvSpPr>
+            <a:spLocks noGrp="1"/>
+          </p:cNvSpPr>
+          <p:nvPr>
+            <p:ph type="sldNum" sz="quarter" idx="12"/>
+          </p:nvPr>
+        </p:nvSpPr>
+        <p:spPr/>
+        <p:txBody>
+          <a:bodyPr/>
+          <a:lstStyle/>
+          <a:p>
+            <a:fld id="{EAA839CA-A459-3043-A178-D16A10162934}" type="slidenum">
+              <a:rPr kumimoji="1" lang="ja-JP" altLang="en-US" smtClean="0"/>
+              <a:t>4</a:t>
+            </a:fld>
+            <a:endParaRPr kumimoji="1" lang="ja-JP" altLang="en-US"/>
+          </a:p>
+        </p:txBody>
+      </p:sp>
+      <p:sp>
+        <p:nvSpPr>
+          <p:cNvPr id="7" name="テキスト ボックス 6"/>
+          <p:cNvSpPr txBox="1"/>
+          <p:nvPr/>
+        </p:nvSpPr>
+        <p:spPr>
+          <a:xfrm>
             <a:off x="564410" y="361966"/>
             <a:ext cx="5727104" cy="369332"/>
           </a:xfrm>
@@ -6076,19 +6340,7 @@
             </a:r>
             <a:r>
               <a:rPr kumimoji="1" lang="en-US" altLang="ja-JP" dirty="0" smtClean="0"/>
-              <a:t>(70</a:t>
-            </a:r>
-            <a:r>
-              <a:rPr kumimoji="1" lang="en-US" altLang="ja-JP" dirty="0" smtClean="0"/>
-              <a:t>, 80, </a:t>
-            </a:r>
-            <a:r>
-              <a:rPr kumimoji="1" lang="en-US" altLang="ja-JP" dirty="0" smtClean="0"/>
-              <a:t>50, 50)</a:t>
-            </a:r>
-            <a:r>
-              <a:rPr kumimoji="1" lang="en-US" altLang="ja-JP" dirty="0" smtClean="0"/>
-              <a:t>;</a:t>
+              <a:t>(70, 80, 50, 50);</a:t>
             </a:r>
             <a:endParaRPr kumimoji="1" lang="ja-JP" altLang="en-US" dirty="0"/>
           </a:p>
@@ -6137,7 +6389,7 @@
 </p:sld>
 </file>
 
-<file path=ppt/slides/slide4.xml><?xml version="1.0" encoding="utf-8"?>
+<file path=ppt/slides/slide5.xml><?xml version="1.0" encoding="utf-8"?>
 <p:sld xmlns:a="http://schemas.openxmlformats.org/drawingml/2006/main" xmlns:r="http://schemas.openxmlformats.org/officeDocument/2006/relationships" xmlns:p="http://schemas.openxmlformats.org/presentationml/2006/main">
   <p:cSld>
     <p:spTree>
@@ -6232,7 +6484,7 @@
           <a:p>
             <a:fld id="{EAA839CA-A459-3043-A178-D16A10162934}" type="slidenum">
               <a:rPr kumimoji="1" lang="ja-JP" altLang="en-US" smtClean="0"/>
-              <a:t>4</a:t>
+              <a:t>5</a:t>
             </a:fld>
             <a:endParaRPr kumimoji="1" lang="ja-JP" altLang="en-US"/>
           </a:p>
@@ -6368,11 +6620,7 @@
             </a:r>
             <a:r>
               <a:rPr kumimoji="1" lang="en-US" altLang="ja-JP" dirty="0" smtClean="0"/>
-              <a:t>(70</a:t>
-            </a:r>
-            <a:r>
-              <a:rPr kumimoji="1" lang="en-US" altLang="ja-JP" dirty="0" smtClean="0"/>
-              <a:t>, 80, </a:t>
+              <a:t>(70, 80, </a:t>
             </a:r>
             <a:r>
               <a:rPr lang="en-US" altLang="ja-JP" dirty="0" smtClean="0"/>
@@ -6380,11 +6628,7 @@
             </a:r>
             <a:r>
               <a:rPr kumimoji="1" lang="en-US" altLang="ja-JP" dirty="0" smtClean="0"/>
-              <a:t>, 50)</a:t>
-            </a:r>
-            <a:r>
-              <a:rPr kumimoji="1" lang="en-US" altLang="ja-JP" dirty="0" smtClean="0"/>
-              <a:t>;</a:t>
+              <a:t>, 50);</a:t>
             </a:r>
             <a:endParaRPr kumimoji="1" lang="ja-JP" altLang="en-US" dirty="0"/>
           </a:p>
@@ -6682,11 +6926,7 @@
             </a:r>
             <a:r>
               <a:rPr kumimoji="1" lang="en-US" altLang="ja-JP" sz="1200" dirty="0" smtClean="0"/>
-              <a:t>(70</a:t>
-            </a:r>
-            <a:r>
-              <a:rPr kumimoji="1" lang="en-US" altLang="ja-JP" sz="1200" dirty="0" smtClean="0"/>
-              <a:t>, 80)</a:t>
+              <a:t>(70, 80)</a:t>
             </a:r>
             <a:endParaRPr kumimoji="1" lang="ja-JP" altLang="en-US" sz="1200" dirty="0"/>
           </a:p>
@@ -6946,7 +7186,7 @@
 </p:sld>
 </file>
 
-<file path=ppt/slides/slide5.xml><?xml version="1.0" encoding="utf-8"?>
+<file path=ppt/slides/slide6.xml><?xml version="1.0" encoding="utf-8"?>
 <p:sld xmlns:a="http://schemas.openxmlformats.org/drawingml/2006/main" xmlns:r="http://schemas.openxmlformats.org/officeDocument/2006/relationships" xmlns:p="http://schemas.openxmlformats.org/presentationml/2006/main">
   <p:cSld>
     <p:spTree>
@@ -7041,7 +7281,7 @@
           <a:p>
             <a:fld id="{EAA839CA-A459-3043-A178-D16A10162934}" type="slidenum">
               <a:rPr kumimoji="1" lang="ja-JP" altLang="en-US" smtClean="0"/>
-              <a:t>5</a:t>
+              <a:t>6</a:t>
             </a:fld>
             <a:endParaRPr kumimoji="1" lang="ja-JP" altLang="en-US"/>
           </a:p>
@@ -7283,19 +7523,7 @@
             </a:r>
             <a:r>
               <a:rPr kumimoji="1" lang="en-US" altLang="ja-JP" sz="1200" dirty="0" smtClean="0"/>
-              <a:t>(20</a:t>
-            </a:r>
-            <a:r>
-              <a:rPr kumimoji="1" lang="en-US" altLang="ja-JP" sz="1200" dirty="0" smtClean="0"/>
-              <a:t>, </a:t>
-            </a:r>
-            <a:r>
-              <a:rPr kumimoji="1" lang="en-US" altLang="ja-JP" sz="1200" dirty="0" smtClean="0"/>
-              <a:t>20</a:t>
-            </a:r>
-            <a:r>
-              <a:rPr kumimoji="1" lang="en-US" altLang="ja-JP" sz="1200" dirty="0" smtClean="0"/>
-              <a:t>)</a:t>
+              <a:t>(20, 20)</a:t>
             </a:r>
             <a:endParaRPr kumimoji="1" lang="ja-JP" altLang="en-US" sz="1200" dirty="0"/>
           </a:p>
@@ -7329,11 +7557,7 @@
             </a:r>
             <a:r>
               <a:rPr kumimoji="1" lang="en-US" altLang="ja-JP" sz="1200" dirty="0" smtClean="0"/>
-              <a:t>(50</a:t>
-            </a:r>
-            <a:r>
-              <a:rPr kumimoji="1" lang="en-US" altLang="ja-JP" sz="1200" dirty="0" smtClean="0"/>
-              <a:t>, </a:t>
+              <a:t>(50, </a:t>
             </a:r>
             <a:r>
               <a:rPr lang="en-US" altLang="ja-JP" sz="1200" dirty="0" smtClean="0"/>
@@ -7341,11 +7565,7 @@
             </a:r>
             <a:r>
               <a:rPr kumimoji="1" lang="en-US" altLang="ja-JP" sz="1200" dirty="0" smtClean="0"/>
-              <a:t>0</a:t>
-            </a:r>
-            <a:r>
-              <a:rPr kumimoji="1" lang="en-US" altLang="ja-JP" sz="1200" dirty="0" smtClean="0"/>
-              <a:t>)</a:t>
+              <a:t>0)</a:t>
             </a:r>
             <a:endParaRPr kumimoji="1" lang="ja-JP" altLang="en-US" sz="1200" dirty="0"/>
           </a:p>
@@ -7391,11 +7611,7 @@
             </a:r>
             <a:r>
               <a:rPr kumimoji="1" lang="en-US" altLang="ja-JP" sz="1200" dirty="0" smtClean="0"/>
-              <a:t>0</a:t>
-            </a:r>
-            <a:r>
-              <a:rPr kumimoji="1" lang="en-US" altLang="ja-JP" sz="1200" dirty="0" smtClean="0"/>
-              <a:t>)</a:t>
+              <a:t>0)</a:t>
             </a:r>
             <a:endParaRPr kumimoji="1" lang="ja-JP" altLang="en-US" sz="1200" dirty="0"/>
           </a:p>
@@ -7655,11 +7871,7 @@
           <a:p>
             <a:r>
               <a:rPr lang="en-US" altLang="ja-JP" sz="1200" dirty="0" smtClean="0"/>
-              <a:t>50</a:t>
-            </a:r>
-            <a:r>
-              <a:rPr lang="en-US" altLang="ja-JP" sz="1200" dirty="0" smtClean="0"/>
-              <a:t> x 50 </a:t>
+              <a:t>50 x 50 </a:t>
             </a:r>
             <a:r>
               <a:rPr lang="ja-JP" altLang="en-US" sz="1200" dirty="0" smtClean="0"/>
@@ -7872,168 +8084,6 @@
 </p:sld>
 </file>
 
-<file path=ppt/slides/slide6.xml><?xml version="1.0" encoding="utf-8"?>
-<p:sld xmlns:a="http://schemas.openxmlformats.org/drawingml/2006/main" xmlns:r="http://schemas.openxmlformats.org/officeDocument/2006/relationships" xmlns:p="http://schemas.openxmlformats.org/presentationml/2006/main">
-  <p:cSld>
-    <p:spTree>
-      <p:nvGrpSpPr>
-        <p:cNvPr id="1" name=""/>
-        <p:cNvGrpSpPr/>
-        <p:nvPr/>
-      </p:nvGrpSpPr>
-      <p:grpSpPr>
-        <a:xfrm>
-          <a:off x="0" y="0"/>
-          <a:ext cx="0" cy="0"/>
-          <a:chOff x="0" y="0"/>
-          <a:chExt cx="0" cy="0"/>
-        </a:xfrm>
-      </p:grpSpPr>
-      <p:sp>
-        <p:nvSpPr>
-          <p:cNvPr id="4" name="フッター プレースホルダー 3"/>
-          <p:cNvSpPr>
-            <a:spLocks noGrp="1"/>
-          </p:cNvSpPr>
-          <p:nvPr>
-            <p:ph type="ftr" sz="quarter" idx="11"/>
-          </p:nvPr>
-        </p:nvSpPr>
-        <p:spPr/>
-        <p:txBody>
-          <a:bodyPr/>
-          <a:lstStyle/>
-          <a:p>
-            <a:r>
-              <a:rPr kumimoji="1" lang="ja-JP" altLang="en-US" smtClean="0"/>
-              <a:t>情報工学科 </a:t>
-            </a:r>
-            <a:r>
-              <a:rPr kumimoji="1" lang="en-US" altLang="ja-JP" smtClean="0"/>
-              <a:t>1</a:t>
-            </a:r>
-            <a:r>
-              <a:rPr kumimoji="1" lang="ja-JP" altLang="en-US" smtClean="0"/>
-              <a:t>日体験入学</a:t>
-            </a:r>
-            <a:endParaRPr kumimoji="1" lang="ja-JP" altLang="en-US"/>
-          </a:p>
-        </p:txBody>
-      </p:sp>
-      <p:sp>
-        <p:nvSpPr>
-          <p:cNvPr id="5" name="スライド番号プレースホルダー 4"/>
-          <p:cNvSpPr>
-            <a:spLocks noGrp="1"/>
-          </p:cNvSpPr>
-          <p:nvPr>
-            <p:ph type="sldNum" sz="quarter" idx="12"/>
-          </p:nvPr>
-        </p:nvSpPr>
-        <p:spPr/>
-        <p:txBody>
-          <a:bodyPr/>
-          <a:lstStyle/>
-          <a:p>
-            <a:fld id="{EAA839CA-A459-3043-A178-D16A10162934}" type="slidenum">
-              <a:rPr kumimoji="1" lang="ja-JP" altLang="en-US" smtClean="0"/>
-              <a:t>6</a:t>
-            </a:fld>
-            <a:endParaRPr kumimoji="1" lang="ja-JP" altLang="en-US"/>
-          </a:p>
-        </p:txBody>
-      </p:sp>
-      <p:sp>
-        <p:nvSpPr>
-          <p:cNvPr id="6" name="テキスト ボックス 5"/>
-          <p:cNvSpPr txBox="1"/>
-          <p:nvPr/>
-        </p:nvSpPr>
-        <p:spPr>
-          <a:xfrm>
-            <a:off x="323706" y="232413"/>
-            <a:ext cx="6191394" cy="369332"/>
-          </a:xfrm>
-          <a:prstGeom prst="rect">
-            <a:avLst/>
-          </a:prstGeom>
-          <a:noFill/>
-          <a:ln w="19050" cmpd="sng">
-            <a:solidFill>
-              <a:schemeClr val="tx1"/>
-            </a:solidFill>
-          </a:ln>
-        </p:spPr>
-        <p:txBody>
-          <a:bodyPr wrap="square" rtlCol="0">
-            <a:spAutoFit/>
-          </a:bodyPr>
-          <a:lstStyle/>
-          <a:p>
-            <a:r>
-              <a:rPr kumimoji="1" lang="ja-JP" altLang="en-US" dirty="0" smtClean="0"/>
-              <a:t>プログラミング</a:t>
-            </a:r>
-            <a:r>
-              <a:rPr kumimoji="1" lang="ja-JP" altLang="en-US" dirty="0" smtClean="0"/>
-              <a:t>に慣れてみよう！</a:t>
-            </a:r>
-            <a:endParaRPr kumimoji="1" lang="ja-JP" altLang="en-US" dirty="0"/>
-          </a:p>
-        </p:txBody>
-      </p:sp>
-      <p:sp>
-        <p:nvSpPr>
-          <p:cNvPr id="7" name="テキスト ボックス 6"/>
-          <p:cNvSpPr txBox="1"/>
-          <p:nvPr/>
-        </p:nvSpPr>
-        <p:spPr>
-          <a:xfrm>
-            <a:off x="203200" y="772695"/>
-            <a:ext cx="6191394" cy="369332"/>
-          </a:xfrm>
-          <a:prstGeom prst="rect">
-            <a:avLst/>
-          </a:prstGeom>
-          <a:noFill/>
-          <a:ln w="19050" cmpd="sng">
-            <a:solidFill>
-              <a:schemeClr val="tx1"/>
-            </a:solidFill>
-          </a:ln>
-        </p:spPr>
-        <p:txBody>
-          <a:bodyPr wrap="square" rtlCol="0">
-            <a:spAutoFit/>
-          </a:bodyPr>
-          <a:lstStyle/>
-          <a:p>
-            <a:r>
-              <a:rPr kumimoji="1" lang="en-US" altLang="ja-JP" dirty="0" smtClean="0"/>
-              <a:t>Step1. </a:t>
-            </a:r>
-            <a:r>
-              <a:rPr kumimoji="1" lang="ja-JP" altLang="en-US" dirty="0" smtClean="0"/>
-              <a:t>ウィンドウを大きくしてみよう</a:t>
-            </a:r>
-            <a:endParaRPr kumimoji="1" lang="ja-JP" altLang="en-US" dirty="0"/>
-          </a:p>
-        </p:txBody>
-      </p:sp>
-    </p:spTree>
-    <p:extLst>
-      <p:ext uri="{BB962C8B-B14F-4D97-AF65-F5344CB8AC3E}">
-        <p14:creationId xmlns:p14="http://schemas.microsoft.com/office/powerpoint/2010/main" val="3266286165"/>
-      </p:ext>
-    </p:extLst>
-  </p:cSld>
-  <p:clrMapOvr>
-    <a:masterClrMapping/>
-  </p:clrMapOvr>
-</p:sld>
-</file>
-
 <file path=ppt/slides/slide7.xml><?xml version="1.0" encoding="utf-8"?>
 <p:sld xmlns:a="http://schemas.openxmlformats.org/drawingml/2006/main" xmlns:r="http://schemas.openxmlformats.org/officeDocument/2006/relationships" xmlns:p="http://schemas.openxmlformats.org/presentationml/2006/main">
   <p:cSld>
@@ -8107,7 +8157,7 @@
       </p:sp>
       <p:sp>
         <p:nvSpPr>
-          <p:cNvPr id="7" name="テキスト ボックス 6"/>
+          <p:cNvPr id="6" name="テキスト ボックス 5"/>
           <p:cNvSpPr txBox="1"/>
           <p:nvPr/>
         </p:nvSpPr>
@@ -8134,11 +8184,46 @@
           <a:p>
             <a:r>
               <a:rPr kumimoji="1" lang="ja-JP" altLang="en-US" dirty="0" smtClean="0"/>
-              <a:t>本格シューティングゲームの</a:t>
-            </a:r>
-            <a:r>
-              <a:rPr lang="ja-JP" altLang="en-US" dirty="0" smtClean="0"/>
-              <a:t>プログラムをいじってみよう！</a:t>
+              <a:t>プログラミングに慣れてみよう！</a:t>
+            </a:r>
+            <a:endParaRPr kumimoji="1" lang="ja-JP" altLang="en-US" dirty="0"/>
+          </a:p>
+        </p:txBody>
+      </p:sp>
+      <p:sp>
+        <p:nvSpPr>
+          <p:cNvPr id="7" name="テキスト ボックス 6"/>
+          <p:cNvSpPr txBox="1"/>
+          <p:nvPr/>
+        </p:nvSpPr>
+        <p:spPr>
+          <a:xfrm>
+            <a:off x="203200" y="772695"/>
+            <a:ext cx="6191394" cy="369332"/>
+          </a:xfrm>
+          <a:prstGeom prst="rect">
+            <a:avLst/>
+          </a:prstGeom>
+          <a:noFill/>
+          <a:ln w="19050" cmpd="sng">
+            <a:solidFill>
+              <a:schemeClr val="tx1"/>
+            </a:solidFill>
+          </a:ln>
+        </p:spPr>
+        <p:txBody>
+          <a:bodyPr wrap="square" rtlCol="0">
+            <a:spAutoFit/>
+          </a:bodyPr>
+          <a:lstStyle/>
+          <a:p>
+            <a:r>
+              <a:rPr kumimoji="1" lang="en-US" altLang="ja-JP" dirty="0" smtClean="0"/>
+              <a:t>Step1. </a:t>
+            </a:r>
+            <a:r>
+              <a:rPr lang="ja-JP" altLang="en-US" smtClean="0"/>
+              <a:t>変数を用意してみよう</a:t>
             </a:r>
             <a:endParaRPr kumimoji="1" lang="ja-JP" altLang="en-US" dirty="0"/>
           </a:p>
@@ -8147,7 +8232,7 @@
     </p:spTree>
     <p:extLst>
       <p:ext uri="{BB962C8B-B14F-4D97-AF65-F5344CB8AC3E}">
-        <p14:creationId xmlns:p14="http://schemas.microsoft.com/office/powerpoint/2010/main" val="1715124409"/>
+        <p14:creationId xmlns:p14="http://schemas.microsoft.com/office/powerpoint/2010/main" val="3266286165"/>
       </p:ext>
     </p:extLst>
   </p:cSld>
@@ -8223,6 +8308,129 @@
             <a:fld id="{EAA839CA-A459-3043-A178-D16A10162934}" type="slidenum">
               <a:rPr kumimoji="1" lang="ja-JP" altLang="en-US" smtClean="0"/>
               <a:t>8</a:t>
+            </a:fld>
+            <a:endParaRPr kumimoji="1" lang="ja-JP" altLang="en-US"/>
+          </a:p>
+        </p:txBody>
+      </p:sp>
+      <p:sp>
+        <p:nvSpPr>
+          <p:cNvPr id="7" name="テキスト ボックス 6"/>
+          <p:cNvSpPr txBox="1"/>
+          <p:nvPr/>
+        </p:nvSpPr>
+        <p:spPr>
+          <a:xfrm>
+            <a:off x="323706" y="232413"/>
+            <a:ext cx="6191394" cy="369332"/>
+          </a:xfrm>
+          <a:prstGeom prst="rect">
+            <a:avLst/>
+          </a:prstGeom>
+          <a:noFill/>
+          <a:ln w="19050" cmpd="sng">
+            <a:solidFill>
+              <a:schemeClr val="tx1"/>
+            </a:solidFill>
+          </a:ln>
+        </p:spPr>
+        <p:txBody>
+          <a:bodyPr wrap="square" rtlCol="0">
+            <a:spAutoFit/>
+          </a:bodyPr>
+          <a:lstStyle/>
+          <a:p>
+            <a:r>
+              <a:rPr kumimoji="1" lang="ja-JP" altLang="en-US" dirty="0" smtClean="0"/>
+              <a:t>本格シューティングゲームの</a:t>
+            </a:r>
+            <a:r>
+              <a:rPr lang="ja-JP" altLang="en-US" dirty="0" smtClean="0"/>
+              <a:t>プログラムをいじってみよう！</a:t>
+            </a:r>
+            <a:endParaRPr kumimoji="1" lang="ja-JP" altLang="en-US" dirty="0"/>
+          </a:p>
+        </p:txBody>
+      </p:sp>
+    </p:spTree>
+    <p:extLst>
+      <p:ext uri="{BB962C8B-B14F-4D97-AF65-F5344CB8AC3E}">
+        <p14:creationId xmlns:p14="http://schemas.microsoft.com/office/powerpoint/2010/main" val="1715124409"/>
+      </p:ext>
+    </p:extLst>
+  </p:cSld>
+  <p:clrMapOvr>
+    <a:masterClrMapping/>
+  </p:clrMapOvr>
+</p:sld>
+</file>
+
+<file path=ppt/slides/slide9.xml><?xml version="1.0" encoding="utf-8"?>
+<p:sld xmlns:a="http://schemas.openxmlformats.org/drawingml/2006/main" xmlns:r="http://schemas.openxmlformats.org/officeDocument/2006/relationships" xmlns:p="http://schemas.openxmlformats.org/presentationml/2006/main">
+  <p:cSld>
+    <p:spTree>
+      <p:nvGrpSpPr>
+        <p:cNvPr id="1" name=""/>
+        <p:cNvGrpSpPr/>
+        <p:nvPr/>
+      </p:nvGrpSpPr>
+      <p:grpSpPr>
+        <a:xfrm>
+          <a:off x="0" y="0"/>
+          <a:ext cx="0" cy="0"/>
+          <a:chOff x="0" y="0"/>
+          <a:chExt cx="0" cy="0"/>
+        </a:xfrm>
+      </p:grpSpPr>
+      <p:sp>
+        <p:nvSpPr>
+          <p:cNvPr id="4" name="フッター プレースホルダー 3"/>
+          <p:cNvSpPr>
+            <a:spLocks noGrp="1"/>
+          </p:cNvSpPr>
+          <p:nvPr>
+            <p:ph type="ftr" sz="quarter" idx="11"/>
+          </p:nvPr>
+        </p:nvSpPr>
+        <p:spPr/>
+        <p:txBody>
+          <a:bodyPr/>
+          <a:lstStyle/>
+          <a:p>
+            <a:r>
+              <a:rPr kumimoji="1" lang="ja-JP" altLang="en-US" smtClean="0"/>
+              <a:t>情報工学科 </a:t>
+            </a:r>
+            <a:r>
+              <a:rPr kumimoji="1" lang="en-US" altLang="ja-JP" smtClean="0"/>
+              <a:t>1</a:t>
+            </a:r>
+            <a:r>
+              <a:rPr kumimoji="1" lang="ja-JP" altLang="en-US" smtClean="0"/>
+              <a:t>日体験入学</a:t>
+            </a:r>
+            <a:endParaRPr kumimoji="1" lang="ja-JP" altLang="en-US"/>
+          </a:p>
+        </p:txBody>
+      </p:sp>
+      <p:sp>
+        <p:nvSpPr>
+          <p:cNvPr id="5" name="スライド番号プレースホルダー 4"/>
+          <p:cNvSpPr>
+            <a:spLocks noGrp="1"/>
+          </p:cNvSpPr>
+          <p:nvPr>
+            <p:ph type="sldNum" sz="quarter" idx="12"/>
+          </p:nvPr>
+        </p:nvSpPr>
+        <p:spPr/>
+        <p:txBody>
+          <a:bodyPr/>
+          <a:lstStyle/>
+          <a:p>
+            <a:fld id="{EAA839CA-A459-3043-A178-D16A10162934}" type="slidenum">
+              <a:rPr kumimoji="1" lang="ja-JP" altLang="en-US" smtClean="0"/>
+              <a:t>9</a:t>
             </a:fld>
             <a:endParaRPr kumimoji="1" lang="ja-JP" altLang="en-US"/>
           </a:p>
